--- a/StoryBoarding.pptx
+++ b/StoryBoarding.pptx
@@ -10028,7 +10028,7 @@
         </p:nvGrpSpPr>
         <p:grpSpPr>
           <a:xfrm>
-            <a:off x="3011195" y="4427033"/>
+            <a:off x="2600569" y="3142597"/>
             <a:ext cx="287705" cy="287705"/>
             <a:chOff x="3669395" y="3536182"/>
             <a:chExt cx="287705" cy="287705"/>
@@ -10673,67 +10673,67 @@
 
 <file path=customXml/item1.xml><?xml version="1.0" encoding="utf-8"?>
 <Control xmlns="http://schemas.microsoft.com/VisualStudio/2011/storyboarding/control">
-  <Id Name="System.Storyboarding.Common.RadioButtonUnselected" Revision="1" Stencil="System.Storyboarding.Common" StencilVersion="0.1"/>
-</Control>
-</file>
-
-<file path=customXml/item10.xml><?xml version="1.0" encoding="utf-8"?>
-<Control xmlns="http://schemas.microsoft.com/VisualStudio/2011/storyboarding/control">
-  <Id Name="System.Storyboarding.Common.Text" Revision="1" Stencil="System.Storyboarding.Common" StencilVersion="0.1"/>
-</Control>
-</file>
-
-<file path=customXml/item11.xml><?xml version="1.0" encoding="utf-8"?>
-<Control xmlns="http://schemas.microsoft.com/VisualStudio/2011/storyboarding/control">
-  <Id Name="System.Storyboarding.Common.Text" Revision="1" Stencil="System.Storyboarding.Common" StencilVersion="0.1"/>
-</Control>
-</file>
-
-<file path=customXml/item12.xml><?xml version="1.0" encoding="utf-8"?>
-<Control xmlns="http://schemas.microsoft.com/VisualStudio/2011/storyboarding/control">
-  <Id Name="System.Storyboarding.Common.Text" Revision="1" Stencil="System.Storyboarding.Common" StencilVersion="0.1"/>
-</Control>
-</file>
-
-<file path=customXml/item13.xml><?xml version="1.0" encoding="utf-8"?>
-<Control xmlns="http://schemas.microsoft.com/VisualStudio/2011/storyboarding/control">
   <Id Name="System.Storyboarding.Backgrounds.WindowsPhone" Revision="1" Stencil="System.Storyboarding.Backgrounds" StencilVersion="0.1"/>
 </Control>
 </file>
 
-<file path=customXml/item14.xml><?xml version="1.0" encoding="utf-8"?>
+<file path=customXml/item10.xml><?xml version="1.0" encoding="utf-8"?>
 <Control xmlns="http://schemas.microsoft.com/VisualStudio/2011/storyboarding/control">
   <Id Name="System.Storyboarding.Common.RadioButtonUnselected" Revision="1" Stencil="System.Storyboarding.Common" StencilVersion="0.1"/>
 </Control>
 </file>
 
+<file path=customXml/item11.xml><?xml version="1.0" encoding="utf-8"?>
+<Control xmlns="http://schemas.microsoft.com/VisualStudio/2011/storyboarding/control">
+  <Id Name="System.Storyboarding.Common.TextArea" Revision="1" Stencil="System.Storyboarding.Common" StencilVersion="0.1"/>
+</Control>
+</file>
+
+<file path=customXml/item12.xml><?xml version="1.0" encoding="utf-8"?>
+<Control xmlns="http://schemas.microsoft.com/VisualStudio/2011/storyboarding/control">
+  <Id Name="System.Storyboarding.Common.RadioButtonUnselected" Revision="1" Stencil="System.Storyboarding.Common" StencilVersion="0.1"/>
+</Control>
+</file>
+
+<file path=customXml/item13.xml><?xml version="1.0" encoding="utf-8"?>
+<Control xmlns="http://schemas.microsoft.com/VisualStudio/2011/storyboarding/control">
+  <Id Name="System.Storyboarding.Common.List" Revision="1" Stencil="System.Storyboarding.Common" StencilVersion="0.1"/>
+</Control>
+</file>
+
+<file path=customXml/item14.xml><?xml version="1.0" encoding="utf-8"?>
+<Control xmlns="http://schemas.microsoft.com/VisualStudio/2011/storyboarding/control">
+  <Id Name="System.Storyboarding.Common.Button" Revision="1" Stencil="System.Storyboarding.Common" StencilVersion="0.1"/>
+</Control>
+</file>
+
 <file path=customXml/item15.xml><?xml version="1.0" encoding="utf-8"?>
+<Control xmlns="http://schemas.microsoft.com/VisualStudio/2011/storyboarding/control">
+  <Id Name="System.Storyboarding.Common.TextArea" Revision="1" Stencil="System.Storyboarding.Common" StencilVersion="0.1"/>
+</Control>
+</file>
+
+<file path=customXml/item16.xml><?xml version="1.0" encoding="utf-8"?>
+<Control xmlns="http://schemas.microsoft.com/VisualStudio/2011/storyboarding/control">
+  <Id Name="System.Storyboarding.Common.RadioButtonSelected" Revision="1" Stencil="System.Storyboarding.Common" StencilVersion="0.1"/>
+</Control>
+</file>
+
+<file path=customXml/item17.xml><?xml version="1.0" encoding="utf-8"?>
+<Control xmlns="http://schemas.microsoft.com/VisualStudio/2011/storyboarding/control">
+  <Id Name="System.Storyboarding.Common.TextArea" Revision="1" Stencil="System.Storyboarding.Common" StencilVersion="0.1"/>
+</Control>
+</file>
+
+<file path=customXml/item18.xml><?xml version="1.0" encoding="utf-8"?>
 <Control xmlns="http://schemas.microsoft.com/VisualStudio/2011/storyboarding/control">
   <Id Name="System.Storyboarding.Common.TextInput" Revision="1" Stencil="System.Storyboarding.Common" StencilVersion="0.1"/>
 </Control>
 </file>
 
-<file path=customXml/item16.xml><?xml version="1.0" encoding="utf-8"?>
-<Control xmlns="http://schemas.microsoft.com/VisualStudio/2011/storyboarding/control">
-  <Id Name="System.Storyboarding.Common.TextArea" Revision="1" Stencil="System.Storyboarding.Common" StencilVersion="0.1"/>
-</Control>
-</file>
-
-<file path=customXml/item17.xml><?xml version="1.0" encoding="utf-8"?>
-<Control xmlns="http://schemas.microsoft.com/VisualStudio/2011/storyboarding/control">
-  <Id Name="System.Storyboarding.Media.MapMarker" Revision="1" Stencil="System.Storyboarding.Media" StencilVersion="0.1"/>
-</Control>
-</file>
-
-<file path=customXml/item18.xml><?xml version="1.0" encoding="utf-8"?>
-<Control xmlns="http://schemas.microsoft.com/VisualStudio/2011/storyboarding/control">
-  <Id Name="System.Storyboarding.Backgrounds.WindowsPhone" Revision="1" Stencil="System.Storyboarding.Backgrounds" StencilVersion="0.1"/>
-</Control>
-</file>
-
 <file path=customXml/item19.xml><?xml version="1.0" encoding="utf-8"?>
 <Control xmlns="http://schemas.microsoft.com/VisualStudio/2011/storyboarding/control">
-  <Id Name="System.Storyboarding.Common.Text" Revision="1" Stencil="System.Storyboarding.Common" StencilVersion="0.1"/>
+  <Id Name="System.Storyboarding.Common.MouseClick" Revision="1" Stencil="System.Storyboarding.Common" StencilVersion="0.1"/>
 </Control>
 </file>
 
@@ -10745,49 +10745,49 @@
 
 <file path=customXml/item20.xml><?xml version="1.0" encoding="utf-8"?>
 <Control xmlns="http://schemas.microsoft.com/VisualStudio/2011/storyboarding/control">
+  <Id Name="System.Storyboarding.Common.Button" Revision="1" Stencil="System.Storyboarding.Common" StencilVersion="0.1"/>
+</Control>
+</file>
+
+<file path=customXml/item21.xml><?xml version="1.0" encoding="utf-8"?>
+<Control xmlns="http://schemas.microsoft.com/VisualStudio/2011/storyboarding/control">
+  <Id Name="System.Storyboarding.Common.RadioButtonUnselected" Revision="1" Stencil="System.Storyboarding.Common" StencilVersion="0.1"/>
+</Control>
+</file>
+
+<file path=customXml/item22.xml><?xml version="1.0" encoding="utf-8"?>
+<Control xmlns="http://schemas.microsoft.com/VisualStudio/2011/storyboarding/control">
+  <Id Name="System.Storyboarding.Common.MousePointer" Revision="1" Stencil="System.Storyboarding.Common" StencilVersion="0.1"/>
+</Control>
+</file>
+
+<file path=customXml/item23.xml><?xml version="1.0" encoding="utf-8"?>
+<Control xmlns="http://schemas.microsoft.com/VisualStudio/2011/storyboarding/control">
+  <Id Name="System.Storyboarding.Media.StreetMap" Revision="1" Stencil="System.Storyboarding.Media" StencilVersion="0.1"/>
+</Control>
+</file>
+
+<file path=customXml/item24.xml><?xml version="1.0" encoding="utf-8"?>
+<Control xmlns="http://schemas.microsoft.com/VisualStudio/2011/storyboarding/control">
   <Id Name="System.Storyboarding.Common.Text" Revision="1" Stencil="System.Storyboarding.Common" StencilVersion="0.1"/>
 </Control>
 </file>
 
-<file path=customXml/item21.xml><?xml version="1.0" encoding="utf-8"?>
-<Control xmlns="http://schemas.microsoft.com/VisualStudio/2011/storyboarding/control">
-  <Id Name="934bec57-988b-4f30-bf08-59746ccd296b" RevisionId="bfdeb599-0ec2-49ac-b7b9-7fd8a2389f3d" Stencil="172d6d98-e5c9-42e9-a209-79f7a94bbd38" StencilRevisionId="00000000-0000-0000-0000-000000000000" StencilVersion="0.0"/>
-</Control>
-</file>
-
-<file path=customXml/item22.xml><?xml version="1.0" encoding="utf-8"?>
-<Control xmlns="http://schemas.microsoft.com/VisualStudio/2011/storyboarding/control">
-  <Id Name="System.Storyboarding.Common.ScrollbarVertical" RevisionId="68ea164d-c1de-47a5-804f-d4d1290fa524" Stencil="System.Storyboarding.Common" StencilRevisionId="68ea164d-c1de-47a5-804f-d4d1290fa524" StencilVersion="0.1"/>
-</Control>
-</file>
-
-<file path=customXml/item23.xml><?xml version="1.0" encoding="utf-8"?>
-<Control xmlns="http://schemas.microsoft.com/VisualStudio/2011/storyboarding/control">
-  <Id Name="System.Storyboarding.Common.MouseClick" Revision="1" Stencil="System.Storyboarding.Common" StencilVersion="0.1"/>
-</Control>
-</file>
-
-<file path=customXml/item24.xml><?xml version="1.0" encoding="utf-8"?>
-<Control xmlns="http://schemas.microsoft.com/VisualStudio/2011/storyboarding/control">
-  <Id Name="System.Storyboarding.Backgrounds.WindowsPhone" Revision="1" Stencil="System.Storyboarding.Backgrounds" StencilVersion="0.1"/>
-</Control>
-</file>
-
 <file path=customXml/item25.xml><?xml version="1.0" encoding="utf-8"?>
 <Control xmlns="http://schemas.microsoft.com/VisualStudio/2011/storyboarding/control">
-  <Id Name="System.Storyboarding.Common.TextArea" Revision="1" Stencil="System.Storyboarding.Common" StencilVersion="0.1"/>
+  <Id Name="System.Storyboarding.Common.Text" Revision="1" Stencil="System.Storyboarding.Common" StencilVersion="0.1"/>
 </Control>
 </file>
 
 <file path=customXml/item26.xml><?xml version="1.0" encoding="utf-8"?>
 <Control xmlns="http://schemas.microsoft.com/VisualStudio/2011/storyboarding/control">
-  <Id Name="System.Storyboarding.Common.Button" Revision="1" Stencil="System.Storyboarding.Common" StencilVersion="0.1"/>
+  <Id Name="System.Storyboarding.Common.Text" Revision="1" Stencil="System.Storyboarding.Common" StencilVersion="0.1"/>
 </Control>
 </file>
 
 <file path=customXml/item27.xml><?xml version="1.0" encoding="utf-8"?>
 <Control xmlns="http://schemas.microsoft.com/VisualStudio/2011/storyboarding/control">
-  <Id Name="System.Storyboarding.Common.TextArea" Revision="1" Stencil="System.Storyboarding.Common" StencilVersion="0.1"/>
+  <Id Name="System.Storyboarding.Common.Text" Revision="1" Stencil="System.Storyboarding.Common" StencilVersion="0.1"/>
 </Control>
 </file>
 
@@ -10799,91 +10799,91 @@
 
 <file path=customXml/item29.xml><?xml version="1.0" encoding="utf-8"?>
 <Control xmlns="http://schemas.microsoft.com/VisualStudio/2011/storyboarding/control">
-  <Id Name="System.Storyboarding.Common.TextInput" Revision="1" Stencil="System.Storyboarding.Common" StencilVersion="0.1"/>
+  <Id Name="System.Storyboarding.Common.Text" Revision="1" Stencil="System.Storyboarding.Common" StencilVersion="0.1"/>
 </Control>
 </file>
 
 <file path=customXml/item3.xml><?xml version="1.0" encoding="utf-8"?>
+<Control xmlns="http://schemas.microsoft.com/VisualStudio/2011/storyboarding/control">
+  <Id Name="System.Storyboarding.Backgrounds.WindowsPhone" Revision="1" Stencil="System.Storyboarding.Backgrounds" StencilVersion="0.1"/>
+</Control>
+</file>
+
+<file path=customXml/item30.xml><?xml version="1.0" encoding="utf-8"?>
+<Control xmlns="http://schemas.microsoft.com/VisualStudio/2011/storyboarding/control">
+  <Id Name="System.Storyboarding.Common.Button" Revision="1" Stencil="System.Storyboarding.Common" StencilVersion="0.1"/>
+</Control>
+</file>
+
+<file path=customXml/item31.xml><?xml version="1.0" encoding="utf-8"?>
+<Control xmlns="http://schemas.microsoft.com/VisualStudio/2011/storyboarding/control">
+  <Id Name="System.Storyboarding.Common.TextArea" Revision="1" Stencil="System.Storyboarding.Common" StencilVersion="0.1"/>
+</Control>
+</file>
+
+<file path=customXml/item32.xml><?xml version="1.0" encoding="utf-8"?>
+<Control xmlns="http://schemas.microsoft.com/VisualStudio/2011/storyboarding/control">
+  <Id Name="2af01176-85ee-4929-8d41-a331980c979e" RevisionId="be170569-95d9-41cc-85ac-d2bbd0fbf029" Stencil="172d6d98-e5c9-42e9-a209-79f7a94bbd38" StencilRevisionId="00000000-0000-0000-0000-000000000000" StencilVersion="0.0"/>
+</Control>
+</file>
+
+<file path=customXml/item33.xml><?xml version="1.0" encoding="utf-8"?>
+<Control xmlns="http://schemas.microsoft.com/VisualStudio/2011/storyboarding/control">
+  <Id Name="System.Storyboarding.Common.RadioButtonUnselected" Revision="1" Stencil="System.Storyboarding.Common" StencilVersion="0.1"/>
+</Control>
+</file>
+
+<file path=customXml/item34.xml><?xml version="1.0" encoding="utf-8"?>
+<Control xmlns="http://schemas.microsoft.com/VisualStudio/2011/storyboarding/control">
+  <Id Name="System.Storyboarding.Common.RadioButtonUnselected" Revision="1" Stencil="System.Storyboarding.Common" StencilVersion="0.1"/>
+</Control>
+</file>
+
+<file path=customXml/item35.xml><?xml version="1.0" encoding="utf-8"?>
+<Control xmlns="http://schemas.microsoft.com/VisualStudio/2011/storyboarding/control">
+  <Id Name="System.Storyboarding.Common.ScrollbarVertical" RevisionId="68ea164d-c1de-47a5-804f-d4d1290fa524" Stencil="System.Storyboarding.Common" StencilRevisionId="68ea164d-c1de-47a5-804f-d4d1290fa524" StencilVersion="0.1"/>
+</Control>
+</file>
+
+<file path=customXml/item36.xml><?xml version="1.0" encoding="utf-8"?>
+<Control xmlns="http://schemas.microsoft.com/VisualStudio/2011/storyboarding/control">
+  <Id Name="System.Storyboarding.Common.TextArea" Revision="1" Stencil="System.Storyboarding.Common" StencilVersion="0.1"/>
+</Control>
+</file>
+
+<file path=customXml/item37.xml><?xml version="1.0" encoding="utf-8"?>
+<Control xmlns="http://schemas.microsoft.com/VisualStudio/2011/storyboarding/control">
+  <Id Name="System.Storyboarding.Common.Text" Revision="1" Stencil="System.Storyboarding.Common" StencilVersion="0.1"/>
+</Control>
+</file>
+
+<file path=customXml/item38.xml><?xml version="1.0" encoding="utf-8"?>
 <Control xmlns="http://schemas.microsoft.com/VisualStudio/2011/storyboarding/control">
   <Id Name="System.Storyboarding.Common.TextInput" Revision="1" Stencil="System.Storyboarding.Common" StencilVersion="0.1"/>
 </Control>
 </file>
 
-<file path=customXml/item30.xml><?xml version="1.0" encoding="utf-8"?>
+<file path=customXml/item39.xml><?xml version="1.0" encoding="utf-8"?>
 <Control xmlns="http://schemas.microsoft.com/VisualStudio/2011/storyboarding/control">
   <Id Name="System.Storyboarding.Common.Text" Revision="1" Stencil="System.Storyboarding.Common" StencilVersion="0.1"/>
 </Control>
 </file>
 
-<file path=customXml/item31.xml><?xml version="1.0" encoding="utf-8"?>
+<file path=customXml/item4.xml><?xml version="1.0" encoding="utf-8"?>
+<Control xmlns="http://schemas.microsoft.com/VisualStudio/2011/storyboarding/control">
+  <Id Name="System.Storyboarding.WindowsAppIcons.Secure" Revision="1" Stencil="System.Storyboarding.WindowsAppIcons" StencilVersion="0.1"/>
+</Control>
+</file>
+
+<file path=customXml/item40.xml><?xml version="1.0" encoding="utf-8"?>
 <Control xmlns="http://schemas.microsoft.com/VisualStudio/2011/storyboarding/control">
   <Id Name="System.Storyboarding.Common.Text" Revision="1" Stencil="System.Storyboarding.Common" StencilVersion="0.1"/>
 </Control>
 </file>
 
-<file path=customXml/item32.xml><?xml version="1.0" encoding="utf-8"?>
-<Control xmlns="http://schemas.microsoft.com/VisualStudio/2011/storyboarding/control">
-  <Id Name="System.Storyboarding.Common.RadioButtonUnselected" Revision="1" Stencil="System.Storyboarding.Common" StencilVersion="0.1"/>
-</Control>
-</file>
-
-<file path=customXml/item33.xml><?xml version="1.0" encoding="utf-8"?>
-<Control xmlns="http://schemas.microsoft.com/VisualStudio/2011/storyboarding/control">
-  <Id Name="System.Storyboarding.Common.TextInput" Revision="1" Stencil="System.Storyboarding.Common" StencilVersion="0.1"/>
-</Control>
-</file>
-
-<file path=customXml/item34.xml><?xml version="1.0" encoding="utf-8"?>
-<Control xmlns="http://schemas.microsoft.com/VisualStudio/2011/storyboarding/control">
-  <Id Name="System.Storyboarding.Media.MapMarker" Revision="1" Stencil="System.Storyboarding.Media" StencilVersion="0.1"/>
-</Control>
-</file>
-
-<file path=customXml/item35.xml><?xml version="1.0" encoding="utf-8"?>
-<Control xmlns="http://schemas.microsoft.com/VisualStudio/2011/storyboarding/control">
-  <Id Name="System.Storyboarding.Common.TextInput" Revision="1" Stencil="System.Storyboarding.Common" StencilVersion="0.1"/>
-</Control>
-</file>
-
-<file path=customXml/item36.xml><?xml version="1.0" encoding="utf-8"?>
-<Control xmlns="http://schemas.microsoft.com/VisualStudio/2011/storyboarding/control">
-  <Id Name="System.Storyboarding.Common.RadioButtonUnselected" Revision="1" Stencil="System.Storyboarding.Common" StencilVersion="0.1"/>
-</Control>
-</file>
-
-<file path=customXml/item37.xml><?xml version="1.0" encoding="utf-8"?>
-<Control xmlns="http://schemas.microsoft.com/VisualStudio/2011/storyboarding/control">
-  <Id Name="System.Storyboarding.Common.TextArea" Revision="1" Stencil="System.Storyboarding.Common" StencilVersion="0.1"/>
-</Control>
-</file>
-
-<file path=customXml/item38.xml><?xml version="1.0" encoding="utf-8"?>
-<Control xmlns="http://schemas.microsoft.com/VisualStudio/2011/storyboarding/control">
-  <Id Name="System.Storyboarding.Backgrounds.WindowsPhone" Revision="1" Stencil="System.Storyboarding.Backgrounds" StencilVersion="0.1"/>
-</Control>
-</file>
-
-<file path=customXml/item39.xml><?xml version="1.0" encoding="utf-8"?>
-<Control xmlns="http://schemas.microsoft.com/VisualStudio/2011/storyboarding/control">
-  <Id Name="System.Storyboarding.Common.DragSelection" Revision="1" Stencil="System.Storyboarding.Common" StencilVersion="0.1"/>
-</Control>
-</file>
-
-<file path=customXml/item4.xml><?xml version="1.0" encoding="utf-8"?>
-<Control xmlns="http://schemas.microsoft.com/VisualStudio/2011/storyboarding/control">
-  <Id Name="2af01176-85ee-4929-8d41-a331980c979e" RevisionId="be170569-95d9-41cc-85ac-d2bbd0fbf029" Stencil="172d6d98-e5c9-42e9-a209-79f7a94bbd38" StencilRevisionId="00000000-0000-0000-0000-000000000000" StencilVersion="0.0"/>
-</Control>
-</file>
-
-<file path=customXml/item40.xml><?xml version="1.0" encoding="utf-8"?>
-<Control xmlns="http://schemas.microsoft.com/VisualStudio/2011/storyboarding/control">
-  <Id Name="System.Storyboarding.Common.RadioButtonUnselected" Revision="1" Stencil="System.Storyboarding.Common" StencilVersion="0.1"/>
-</Control>
-</file>
-
 <file path=customXml/item41.xml><?xml version="1.0" encoding="utf-8"?>
 <Control xmlns="http://schemas.microsoft.com/VisualStudio/2011/storyboarding/control">
-  <Id Name="System.Storyboarding.Common.TextInput" Revision="1" Stencil="System.Storyboarding.Common" StencilVersion="0.1"/>
+  <Id Name="System.Storyboarding.Common.DropdownBox" Revision="1" Stencil="System.Storyboarding.Common" StencilVersion="0.1"/>
 </Control>
 </file>
 
@@ -10895,61 +10895,61 @@
 
 <file path=customXml/item43.xml><?xml version="1.0" encoding="utf-8"?>
 <Control xmlns="http://schemas.microsoft.com/VisualStudio/2011/storyboarding/control">
-  <Id Name="System.Storyboarding.Common.Text" Revision="1" Stencil="System.Storyboarding.Common" StencilVersion="0.1"/>
+  <Id Name="System.Storyboarding.Backgrounds.WindowsPhone" Revision="1" Stencil="System.Storyboarding.Backgrounds" StencilVersion="0.1"/>
 </Control>
 </file>
 
 <file path=customXml/item44.xml><?xml version="1.0" encoding="utf-8"?>
 <Control xmlns="http://schemas.microsoft.com/VisualStudio/2011/storyboarding/control">
-  <Id Name="System.Storyboarding.Common.Button" Revision="1" Stencil="System.Storyboarding.Common" StencilVersion="0.1"/>
+  <Id Name="System.Storyboarding.Common.RadioButtonUnselected" Revision="1" Stencil="System.Storyboarding.Common" StencilVersion="0.1"/>
 </Control>
 </file>
 
 <file path=customXml/item45.xml><?xml version="1.0" encoding="utf-8"?>
 <Control xmlns="http://schemas.microsoft.com/VisualStudio/2011/storyboarding/control">
-  <Id Name="System.Storyboarding.Common.List" Revision="1" Stencil="System.Storyboarding.Common" StencilVersion="0.1"/>
+  <Id Name="2af01176-85ee-4929-8d41-a331980c979e" RevisionId="be170569-95d9-41cc-85ac-d2bbd0fbf029" Stencil="172d6d98-e5c9-42e9-a209-79f7a94bbd38" StencilRevisionId="00000000-0000-0000-0000-000000000000" StencilVersion="0.0"/>
 </Control>
 </file>
 
 <file path=customXml/item46.xml><?xml version="1.0" encoding="utf-8"?>
+<Control xmlns="http://schemas.microsoft.com/VisualStudio/2011/storyboarding/control">
+  <Id Name="System.Storyboarding.Common.TextInput" Revision="1" Stencil="System.Storyboarding.Common" StencilVersion="0.1"/>
+</Control>
+</file>
+
+<file path=customXml/item47.xml><?xml version="1.0" encoding="utf-8"?>
 <Control xmlns="http://schemas.microsoft.com/VisualStudio/2011/storyboarding/control">
   <Id Name="System.Storyboarding.Common.Text" Revision="1" Stencil="System.Storyboarding.Common" StencilVersion="0.1"/>
 </Control>
 </file>
 
-<file path=customXml/item47.xml><?xml version="1.0" encoding="utf-8"?>
+<file path=customXml/item48.xml><?xml version="1.0" encoding="utf-8"?>
 <Control xmlns="http://schemas.microsoft.com/VisualStudio/2011/storyboarding/control">
-  <Id Name="2af01176-85ee-4929-8d41-a331980c979e" RevisionId="be170569-95d9-41cc-85ac-d2bbd0fbf029" Stencil="172d6d98-e5c9-42e9-a209-79f7a94bbd38" StencilRevisionId="00000000-0000-0000-0000-000000000000" StencilVersion="0.0"/>
+  <Id Name="System.Storyboarding.Media.MapMarker" Revision="1" Stencil="System.Storyboarding.Media" StencilVersion="0.1"/>
 </Control>
 </file>
 
-<file path=customXml/item48.xml><?xml version="1.0" encoding="utf-8"?>
+<file path=customXml/item49.xml><?xml version="1.0" encoding="utf-8"?>
+<Control xmlns="http://schemas.microsoft.com/VisualStudio/2011/storyboarding/control">
+  <Id Name="System.Storyboarding.Common.TextArea" Revision="1" Stencil="System.Storyboarding.Common" StencilVersion="0.1"/>
+</Control>
+</file>
+
+<file path=customXml/item5.xml><?xml version="1.0" encoding="utf-8"?>
 <Control xmlns="http://schemas.microsoft.com/VisualStudio/2011/storyboarding/control">
   <Id Name="System.Storyboarding.Common.Text" Revision="1" Stencil="System.Storyboarding.Common" StencilVersion="0.1"/>
 </Control>
 </file>
 
-<file path=customXml/item49.xml><?xml version="1.0" encoding="utf-8"?>
-<Control xmlns="http://schemas.microsoft.com/VisualStudio/2011/storyboarding/control">
-  <Id Name="System.Storyboarding.Common.MousePointer" Revision="1" Stencil="System.Storyboarding.Common" StencilVersion="0.1"/>
-</Control>
-</file>
-
-<file path=customXml/item5.xml><?xml version="1.0" encoding="utf-8"?>
-<Control xmlns="http://schemas.microsoft.com/VisualStudio/2011/storyboarding/control">
-  <Id Name="System.Storyboarding.Common.TextArea" Revision="1" Stencil="System.Storyboarding.Common" StencilVersion="0.1"/>
-</Control>
-</file>
-
 <file path=customXml/item50.xml><?xml version="1.0" encoding="utf-8"?>
 <Control xmlns="http://schemas.microsoft.com/VisualStudio/2011/storyboarding/control">
-  <Id Name="System.Storyboarding.Common.TextArea" Revision="1" Stencil="System.Storyboarding.Common" StencilVersion="0.1"/>
+  <Id Name="System.Storyboarding.Common.TextInput" Revision="1" Stencil="System.Storyboarding.Common" StencilVersion="0.1"/>
 </Control>
 </file>
 
 <file path=customXml/item51.xml><?xml version="1.0" encoding="utf-8"?>
 <Control xmlns="http://schemas.microsoft.com/VisualStudio/2011/storyboarding/control">
-  <Id Name="2af01176-85ee-4929-8d41-a331980c979e" RevisionId="be170569-95d9-41cc-85ac-d2bbd0fbf029" Stencil="172d6d98-e5c9-42e9-a209-79f7a94bbd38" StencilRevisionId="00000000-0000-0000-0000-000000000000" StencilVersion="0.0"/>
+  <Id Name="System.Storyboarding.Backgrounds.WindowsPhone" Revision="1" Stencil="System.Storyboarding.Backgrounds" StencilVersion="0.1"/>
 </Control>
 </file>
 
@@ -10960,42 +10960,6 @@
 </file>
 
 <file path=customXml/item53.xml><?xml version="1.0" encoding="utf-8"?>
-<Control xmlns="http://schemas.microsoft.com/VisualStudio/2011/storyboarding/control">
-  <Id Name="System.Storyboarding.Common.Button" Revision="1" Stencil="System.Storyboarding.Common" StencilVersion="0.1"/>
-</Control>
-</file>
-
-<file path=customXml/item54.xml><?xml version="1.0" encoding="utf-8"?>
-<Control xmlns="http://schemas.microsoft.com/VisualStudio/2011/storyboarding/control">
-  <Id Name="System.Storyboarding.Common.DropdownBox" Revision="1" Stencil="System.Storyboarding.Common" StencilVersion="0.1"/>
-</Control>
-</file>
-
-<file path=customXml/item55.xml><?xml version="1.0" encoding="utf-8"?>
-<Control xmlns="http://schemas.microsoft.com/VisualStudio/2011/storyboarding/control">
-  <Id Name="System.Storyboarding.Backgrounds.WindowsPhone" Revision="1" Stencil="System.Storyboarding.Backgrounds" StencilVersion="0.1"/>
-</Control>
-</file>
-
-<file path=customXml/item56.xml><?xml version="1.0" encoding="utf-8"?>
-<Control xmlns="http://schemas.microsoft.com/VisualStudio/2011/storyboarding/control">
-  <Id Name="System.Storyboarding.Common.DropdownBox" Revision="1" Stencil="System.Storyboarding.Common" StencilVersion="0.1"/>
-</Control>
-</file>
-
-<file path=customXml/item57.xml><?xml version="1.0" encoding="utf-8"?>
-<Control xmlns="http://schemas.microsoft.com/VisualStudio/2011/storyboarding/control">
-  <Id Name="System.Storyboarding.Media.StreetMap" Revision="1" Stencil="System.Storyboarding.Media" StencilVersion="0.1"/>
-</Control>
-</file>
-
-<file path=customXml/item58.xml><?xml version="1.0" encoding="utf-8"?>
-<Control xmlns="http://schemas.microsoft.com/VisualStudio/2011/storyboarding/control">
-  <Id Name="System.Storyboarding.Common.TextArea" Revision="1" Stencil="System.Storyboarding.Common" StencilVersion="0.1"/>
-</Control>
-</file>
-
-<file path=customXml/item59.xml><?xml version="1.0" encoding="utf-8"?>
 <p:properties xmlns:p="http://schemas.microsoft.com/office/2006/metadata/properties" xmlns:xsi="http://www.w3.org/2001/XMLSchema-instance" xmlns:pc="http://schemas.microsoft.com/office/infopath/2007/PartnerControls">
   <documentManagement>
     <_dlc_DocId xmlns="b4ebf394-daf6-497a-96c5-a2f8c10b38cf">TT6HZDVJM2HV-178-321</_dlc_DocId>
@@ -11007,98 +10971,134 @@
 </p:properties>
 </file>
 
+<file path=customXml/item54.xml><?xml version="1.0" encoding="utf-8"?>
+<Control xmlns="http://schemas.microsoft.com/VisualStudio/2011/storyboarding/control">
+  <Id Name="System.Storyboarding.Backgrounds.WindowsPhone" Revision="1" Stencil="System.Storyboarding.Backgrounds" StencilVersion="0.1"/>
+</Control>
+</file>
+
+<file path=customXml/item55.xml><?xml version="1.0" encoding="utf-8"?>
+<Control xmlns="http://schemas.microsoft.com/VisualStudio/2011/storyboarding/control">
+  <Id Name="System.Storyboarding.Common.Text" Revision="1" Stencil="System.Storyboarding.Common" StencilVersion="0.1"/>
+</Control>
+</file>
+
+<file path=customXml/item56.xml><?xml version="1.0" encoding="utf-8"?>
+<Control xmlns="http://schemas.microsoft.com/VisualStudio/2011/storyboarding/control">
+  <Id Name="System.Storyboarding.Common.TextInput" Revision="1" Stencil="System.Storyboarding.Common" StencilVersion="0.1"/>
+</Control>
+</file>
+
+<file path=customXml/item57.xml><?xml version="1.0" encoding="utf-8"?>
+<Control xmlns="http://schemas.microsoft.com/VisualStudio/2011/storyboarding/control">
+  <Id Name="System.Storyboarding.Common.DropdownBox" Revision="1" Stencil="System.Storyboarding.Common" StencilVersion="0.1"/>
+</Control>
+</file>
+
+<file path=customXml/item58.xml><?xml version="1.0" encoding="utf-8"?>
+<Control xmlns="http://schemas.microsoft.com/VisualStudio/2011/storyboarding/control">
+  <Id Name="System.Storyboarding.Media.MapMarker" Revision="1" Stencil="System.Storyboarding.Media" StencilVersion="0.1"/>
+</Control>
+</file>
+
+<file path=customXml/item59.xml><?xml version="1.0" encoding="utf-8"?>
+<Control xmlns="http://schemas.microsoft.com/VisualStudio/2011/storyboarding/control">
+  <Id Name="System.Storyboarding.Backgrounds.WindowsPhone" Revision="1" Stencil="System.Storyboarding.Backgrounds" StencilVersion="0.1"/>
+</Control>
+</file>
+
 <file path=customXml/item6.xml><?xml version="1.0" encoding="utf-8"?>
+<Control xmlns="http://schemas.microsoft.com/VisualStudio/2011/storyboarding/control">
+  <Id Name="System.Storyboarding.Common.TextArea" Revision="1" Stencil="System.Storyboarding.Common" StencilVersion="0.1"/>
+</Control>
+</file>
+
+<file path=customXml/item60.xml><?xml version="1.0" encoding="utf-8"?>
+<Control xmlns="http://schemas.microsoft.com/VisualStudio/2011/storyboarding/control">
+  <Id Name="System.Storyboarding.Common.RadioButtonUnselected" Revision="1" Stencil="System.Storyboarding.Common" StencilVersion="0.1"/>
+</Control>
+</file>
+
+<file path=customXml/item61.xml><?xml version="1.0" encoding="utf-8"?>
 <Control xmlns="http://schemas.microsoft.com/VisualStudio/2011/storyboarding/control">
   <Id Name="System.Storyboarding.WindowsApps.WindowsAppsComboBox" Revision="1" Stencil="System.Storyboarding.WindowsApps" StencilVersion="0.1"/>
 </Control>
 </file>
 
-<file path=customXml/item60.xml><?xml version="1.0" encoding="utf-8"?>
+<file path=customXml/item62.xml><?xml version="1.0" encoding="utf-8"?>
+<Control xmlns="http://schemas.microsoft.com/VisualStudio/2011/storyboarding/control">
+  <Id Name="System.Storyboarding.Backgrounds.WindowsPhone" Revision="1" Stencil="System.Storyboarding.Backgrounds" StencilVersion="0.1"/>
+</Control>
+</file>
+
+<file path=customXml/item63.xml><?xml version="1.0" encoding="utf-8"?>
+<Control xmlns="http://schemas.microsoft.com/VisualStudio/2011/storyboarding/control">
+  <Id Name="System.Storyboarding.Backgrounds.WindowsPhone" Revision="1" Stencil="System.Storyboarding.Backgrounds" StencilVersion="0.1"/>
+</Control>
+</file>
+
+<file path=customXml/item64.xml><?xml version="1.0" encoding="utf-8"?>
 <Control xmlns="http://schemas.microsoft.com/VisualStudio/2011/storyboarding/control">
   <Id Name="System.Storyboarding.Common.Button" Revision="1" Stencil="System.Storyboarding.Common" StencilVersion="0.1"/>
 </Control>
 </file>
 
-<file path=customXml/item61.xml><?xml version="1.0" encoding="utf-8"?>
+<file path=customXml/item65.xml><?xml version="1.0" encoding="utf-8"?>
+<Control xmlns="http://schemas.microsoft.com/VisualStudio/2011/storyboarding/control">
+  <Id Name="System.Storyboarding.Common.DragSelection" Revision="1" Stencil="System.Storyboarding.Common" StencilVersion="0.1"/>
+</Control>
+</file>
+
+<file path=customXml/item66.xml><?xml version="1.0" encoding="utf-8"?>
+<Control xmlns="http://schemas.microsoft.com/VisualStudio/2011/storyboarding/control">
+  <Id Name="934bec57-988b-4f30-bf08-59746ccd296b" RevisionId="bfdeb599-0ec2-49ac-b7b9-7fd8a2389f3d" Stencil="172d6d98-e5c9-42e9-a209-79f7a94bbd38" StencilRevisionId="00000000-0000-0000-0000-000000000000" StencilVersion="0.0"/>
+</Control>
+</file>
+
+<file path=customXml/item67.xml><?xml version="1.0" encoding="utf-8"?>
+<Control xmlns="http://schemas.microsoft.com/VisualStudio/2011/storyboarding/control">
+  <Id Name="System.Storyboarding.Media.MapMarker" Revision="1" Stencil="System.Storyboarding.Media" StencilVersion="0.1"/>
+</Control>
+</file>
+
+<file path=customXml/item68.xml><?xml version="1.0" encoding="utf-8"?>
+<Control xmlns="http://schemas.microsoft.com/VisualStudio/2011/storyboarding/control">
+  <Id Name="System.Storyboarding.WindowsApps.WindowsAppsComboBox" Revision="1" Stencil="System.Storyboarding.WindowsApps" StencilVersion="0.1"/>
+</Control>
+</file>
+
+<file path=customXml/item69.xml><?xml version="1.0" encoding="utf-8"?>
+<Control xmlns="http://schemas.microsoft.com/VisualStudio/2011/storyboarding/control">
+  <Id Name="2af01176-85ee-4929-8d41-a331980c979e" RevisionId="be170569-95d9-41cc-85ac-d2bbd0fbf029" Stencil="172d6d98-e5c9-42e9-a209-79f7a94bbd38" StencilRevisionId="00000000-0000-0000-0000-000000000000" StencilVersion="0.0"/>
+</Control>
+</file>
+
+<file path=customXml/item7.xml><?xml version="1.0" encoding="utf-8"?>
+<Control xmlns="http://schemas.microsoft.com/VisualStudio/2011/storyboarding/control">
+  <Id Name="System.Storyboarding.Common.TextInput" Revision="1" Stencil="System.Storyboarding.Common" StencilVersion="0.1"/>
+</Control>
+</file>
+
+<file path=customXml/item70.xml><?xml version="1.0" encoding="utf-8"?>
+<Control xmlns="http://schemas.microsoft.com/VisualStudio/2011/storyboarding/control">
+  <Id Name="System.Storyboarding.Common.TextArea" Revision="1" Stencil="System.Storyboarding.Common" StencilVersion="0.1"/>
+</Control>
+</file>
+
+<file path=customXml/item8.xml><?xml version="1.0" encoding="utf-8"?>
 <Control xmlns="http://schemas.microsoft.com/VisualStudio/2011/storyboarding/control">
   <Id Name="System.Storyboarding.Common.Text" Revision="1" Stencil="System.Storyboarding.Common" StencilVersion="0.1"/>
 </Control>
 </file>
 
-<file path=customXml/item62.xml><?xml version="1.0" encoding="utf-8"?>
-<Control xmlns="http://schemas.microsoft.com/VisualStudio/2011/storyboarding/control">
-  <Id Name="System.Storyboarding.Media.MapMarker" Revision="1" Stencil="System.Storyboarding.Media" StencilVersion="0.1"/>
-</Control>
-</file>
-
-<file path=customXml/item63.xml><?xml version="1.0" encoding="utf-8"?>
-<Control xmlns="http://schemas.microsoft.com/VisualStudio/2011/storyboarding/control">
-  <Id Name="System.Storyboarding.Common.Text" Revision="1" Stencil="System.Storyboarding.Common" StencilVersion="0.1"/>
-</Control>
-</file>
-
-<file path=customXml/item64.xml><?xml version="1.0" encoding="utf-8"?>
-<Control xmlns="http://schemas.microsoft.com/VisualStudio/2011/storyboarding/control">
-  <Id Name="System.Storyboarding.WindowsApps.WindowsAppsComboBox" Revision="1" Stencil="System.Storyboarding.WindowsApps" StencilVersion="0.1"/>
-</Control>
-</file>
-
-<file path=customXml/item65.xml><?xml version="1.0" encoding="utf-8"?>
-<Control xmlns="http://schemas.microsoft.com/VisualStudio/2011/storyboarding/control">
-  <Id Name="System.Storyboarding.Common.TextArea" Revision="1" Stencil="System.Storyboarding.Common" StencilVersion="0.1"/>
-</Control>
-</file>
-
-<file path=customXml/item66.xml><?xml version="1.0" encoding="utf-8"?>
-<Control xmlns="http://schemas.microsoft.com/VisualStudio/2011/storyboarding/control">
-  <Id Name="System.Storyboarding.Common.RadioButtonSelected" Revision="1" Stencil="System.Storyboarding.Common" StencilVersion="0.1"/>
-</Control>
-</file>
-
-<file path=customXml/item67.xml><?xml version="1.0" encoding="utf-8"?>
+<file path=customXml/item9.xml><?xml version="1.0" encoding="utf-8"?>
 <Control xmlns="http://schemas.microsoft.com/VisualStudio/2011/storyboarding/control">
   <Id Name="System.Storyboarding.Backgrounds.WindowsPhone" Revision="1" Stencil="System.Storyboarding.Backgrounds" StencilVersion="0.1"/>
 </Control>
 </file>
 
-<file path=customXml/item68.xml><?xml version="1.0" encoding="utf-8"?>
-<Control xmlns="http://schemas.microsoft.com/VisualStudio/2011/storyboarding/control">
-  <Id Name="System.Storyboarding.Backgrounds.WindowsPhone" Revision="1" Stencil="System.Storyboarding.Backgrounds" StencilVersion="0.1"/>
-</Control>
-</file>
-
-<file path=customXml/item69.xml><?xml version="1.0" encoding="utf-8"?>
-<Control xmlns="http://schemas.microsoft.com/VisualStudio/2011/storyboarding/control">
-  <Id Name="System.Storyboarding.Backgrounds.WindowsPhone" Revision="1" Stencil="System.Storyboarding.Backgrounds" StencilVersion="0.1"/>
-</Control>
-</file>
-
-<file path=customXml/item7.xml><?xml version="1.0" encoding="utf-8"?>
-<Control xmlns="http://schemas.microsoft.com/VisualStudio/2011/storyboarding/control">
-  <Id Name="System.Storyboarding.WindowsAppIcons.Secure" Revision="1" Stencil="System.Storyboarding.WindowsAppIcons" StencilVersion="0.1"/>
-</Control>
-</file>
-
-<file path=customXml/item70.xml><?xml version="1.0" encoding="utf-8"?>
-<Control xmlns="http://schemas.microsoft.com/VisualStudio/2011/storyboarding/control">
-  <Id Name="System.Storyboarding.Backgrounds.WindowsPhone" Revision="1" Stencil="System.Storyboarding.Backgrounds" StencilVersion="0.1"/>
-</Control>
-</file>
-
-<file path=customXml/item8.xml><?xml version="1.0" encoding="utf-8"?>
-<Control xmlns="http://schemas.microsoft.com/VisualStudio/2011/storyboarding/control">
-  <Id Name="System.Storyboarding.Common.RadioButtonUnselected" Revision="1" Stencil="System.Storyboarding.Common" StencilVersion="0.1"/>
-</Control>
-</file>
-
-<file path=customXml/item9.xml><?xml version="1.0" encoding="utf-8"?>
-<Control xmlns="http://schemas.microsoft.com/VisualStudio/2011/storyboarding/control">
-  <Id Name="System.Storyboarding.Common.RadioButtonUnselected" Revision="1" Stencil="System.Storyboarding.Common" StencilVersion="0.1"/>
-</Control>
-</file>
-
 <file path=customXml/itemProps1.xml><?xml version="1.0" encoding="utf-8"?>
-<ds:datastoreItem xmlns:ds="http://schemas.openxmlformats.org/officeDocument/2006/customXml" ds:itemID="{ACBA10CA-108F-4460-9A4E-369441152B90}">
+<ds:datastoreItem xmlns:ds="http://schemas.openxmlformats.org/officeDocument/2006/customXml" ds:itemID="{2CCF8896-E1AB-4BF9-B8F6-163C8A78CA31}">
   <ds:schemaRefs>
     <ds:schemaRef ds:uri="http://schemas.microsoft.com/VisualStudio/2011/storyboarding/control"/>
   </ds:schemaRefs>
@@ -11106,6 +11106,134 @@
 </file>
 
 <file path=customXml/itemProps10.xml><?xml version="1.0" encoding="utf-8"?>
+<ds:datastoreItem xmlns:ds="http://schemas.openxmlformats.org/officeDocument/2006/customXml" ds:itemID="{AAE31215-E72B-4113-BD7F-D9BE1F494964}">
+  <ds:schemaRefs>
+    <ds:schemaRef ds:uri="http://schemas.microsoft.com/VisualStudio/2011/storyboarding/control"/>
+  </ds:schemaRefs>
+</ds:datastoreItem>
+</file>
+
+<file path=customXml/itemProps11.xml><?xml version="1.0" encoding="utf-8"?>
+<ds:datastoreItem xmlns:ds="http://schemas.openxmlformats.org/officeDocument/2006/customXml" ds:itemID="{93654A25-2D15-4A8B-BDE3-EAF755CB2874}">
+  <ds:schemaRefs>
+    <ds:schemaRef ds:uri="http://schemas.microsoft.com/VisualStudio/2011/storyboarding/control"/>
+  </ds:schemaRefs>
+</ds:datastoreItem>
+</file>
+
+<file path=customXml/itemProps12.xml><?xml version="1.0" encoding="utf-8"?>
+<ds:datastoreItem xmlns:ds="http://schemas.openxmlformats.org/officeDocument/2006/customXml" ds:itemID="{E182FE72-C0E2-4BA3-A365-A52770CA164F}">
+  <ds:schemaRefs>
+    <ds:schemaRef ds:uri="http://schemas.microsoft.com/VisualStudio/2011/storyboarding/control"/>
+  </ds:schemaRefs>
+</ds:datastoreItem>
+</file>
+
+<file path=customXml/itemProps13.xml><?xml version="1.0" encoding="utf-8"?>
+<ds:datastoreItem xmlns:ds="http://schemas.openxmlformats.org/officeDocument/2006/customXml" ds:itemID="{E4711521-DAC0-469D-B648-5B02D62C2390}">
+  <ds:schemaRefs>
+    <ds:schemaRef ds:uri="http://schemas.microsoft.com/VisualStudio/2011/storyboarding/control"/>
+  </ds:schemaRefs>
+</ds:datastoreItem>
+</file>
+
+<file path=customXml/itemProps14.xml><?xml version="1.0" encoding="utf-8"?>
+<ds:datastoreItem xmlns:ds="http://schemas.openxmlformats.org/officeDocument/2006/customXml" ds:itemID="{69129BF2-73AE-43F2-8DD1-6625BD84AE1E}">
+  <ds:schemaRefs>
+    <ds:schemaRef ds:uri="http://schemas.microsoft.com/VisualStudio/2011/storyboarding/control"/>
+  </ds:schemaRefs>
+</ds:datastoreItem>
+</file>
+
+<file path=customXml/itemProps15.xml><?xml version="1.0" encoding="utf-8"?>
+<ds:datastoreItem xmlns:ds="http://schemas.openxmlformats.org/officeDocument/2006/customXml" ds:itemID="{3599727D-2C05-4106-89DD-AF7AF2BC72DB}">
+  <ds:schemaRefs>
+    <ds:schemaRef ds:uri="http://schemas.microsoft.com/VisualStudio/2011/storyboarding/control"/>
+  </ds:schemaRefs>
+</ds:datastoreItem>
+</file>
+
+<file path=customXml/itemProps16.xml><?xml version="1.0" encoding="utf-8"?>
+<ds:datastoreItem xmlns:ds="http://schemas.openxmlformats.org/officeDocument/2006/customXml" ds:itemID="{71E89D49-B0BA-4AE6-98ED-02C1B4998EF9}">
+  <ds:schemaRefs>
+    <ds:schemaRef ds:uri="http://schemas.microsoft.com/VisualStudio/2011/storyboarding/control"/>
+  </ds:schemaRefs>
+</ds:datastoreItem>
+</file>
+
+<file path=customXml/itemProps17.xml><?xml version="1.0" encoding="utf-8"?>
+<ds:datastoreItem xmlns:ds="http://schemas.openxmlformats.org/officeDocument/2006/customXml" ds:itemID="{046A19BB-6670-49E4-93F7-F415A847A35A}">
+  <ds:schemaRefs>
+    <ds:schemaRef ds:uri="http://schemas.microsoft.com/VisualStudio/2011/storyboarding/control"/>
+  </ds:schemaRefs>
+</ds:datastoreItem>
+</file>
+
+<file path=customXml/itemProps18.xml><?xml version="1.0" encoding="utf-8"?>
+<ds:datastoreItem xmlns:ds="http://schemas.openxmlformats.org/officeDocument/2006/customXml" ds:itemID="{4DEEFB2C-709C-412A-86BE-A6FFB96D7887}">
+  <ds:schemaRefs>
+    <ds:schemaRef ds:uri="http://schemas.microsoft.com/VisualStudio/2011/storyboarding/control"/>
+  </ds:schemaRefs>
+</ds:datastoreItem>
+</file>
+
+<file path=customXml/itemProps19.xml><?xml version="1.0" encoding="utf-8"?>
+<ds:datastoreItem xmlns:ds="http://schemas.openxmlformats.org/officeDocument/2006/customXml" ds:itemID="{DF6F784A-3D3D-4D80-80A8-B8CA09A861B5}">
+  <ds:schemaRefs>
+    <ds:schemaRef ds:uri="http://schemas.microsoft.com/VisualStudio/2011/storyboarding/control"/>
+  </ds:schemaRefs>
+</ds:datastoreItem>
+</file>
+
+<file path=customXml/itemProps2.xml><?xml version="1.0" encoding="utf-8"?>
+<ds:datastoreItem xmlns:ds="http://schemas.openxmlformats.org/officeDocument/2006/customXml" ds:itemID="{7735A957-BCEC-4BDC-865D-C1630AC01291}">
+  <ds:schemaRefs>
+    <ds:schemaRef ds:uri="http://schemas.microsoft.com/VisualStudio/2011/storyboarding/control"/>
+  </ds:schemaRefs>
+</ds:datastoreItem>
+</file>
+
+<file path=customXml/itemProps20.xml><?xml version="1.0" encoding="utf-8"?>
+<ds:datastoreItem xmlns:ds="http://schemas.openxmlformats.org/officeDocument/2006/customXml" ds:itemID="{E0D63D58-E75C-402C-B534-D08183486252}">
+  <ds:schemaRefs>
+    <ds:schemaRef ds:uri="http://schemas.microsoft.com/VisualStudio/2011/storyboarding/control"/>
+  </ds:schemaRefs>
+</ds:datastoreItem>
+</file>
+
+<file path=customXml/itemProps21.xml><?xml version="1.0" encoding="utf-8"?>
+<ds:datastoreItem xmlns:ds="http://schemas.openxmlformats.org/officeDocument/2006/customXml" ds:itemID="{D9E77463-15FD-4550-BB8F-F6D0B64E3766}">
+  <ds:schemaRefs>
+    <ds:schemaRef ds:uri="http://schemas.microsoft.com/VisualStudio/2011/storyboarding/control"/>
+  </ds:schemaRefs>
+</ds:datastoreItem>
+</file>
+
+<file path=customXml/itemProps22.xml><?xml version="1.0" encoding="utf-8"?>
+<ds:datastoreItem xmlns:ds="http://schemas.openxmlformats.org/officeDocument/2006/customXml" ds:itemID="{4B44D672-B64D-4E04-87DA-4913458617EB}">
+  <ds:schemaRefs>
+    <ds:schemaRef ds:uri="http://schemas.microsoft.com/VisualStudio/2011/storyboarding/control"/>
+  </ds:schemaRefs>
+</ds:datastoreItem>
+</file>
+
+<file path=customXml/itemProps23.xml><?xml version="1.0" encoding="utf-8"?>
+<ds:datastoreItem xmlns:ds="http://schemas.openxmlformats.org/officeDocument/2006/customXml" ds:itemID="{81981509-3042-44BA-9641-07E94EE6D7B9}">
+  <ds:schemaRefs>
+    <ds:schemaRef ds:uri="http://schemas.microsoft.com/VisualStudio/2011/storyboarding/control"/>
+  </ds:schemaRefs>
+</ds:datastoreItem>
+</file>
+
+<file path=customXml/itemProps24.xml><?xml version="1.0" encoding="utf-8"?>
+<ds:datastoreItem xmlns:ds="http://schemas.openxmlformats.org/officeDocument/2006/customXml" ds:itemID="{3204D0B0-D938-4898-9111-D054445FD9E6}">
+  <ds:schemaRefs>
+    <ds:schemaRef ds:uri="http://schemas.microsoft.com/VisualStudio/2011/storyboarding/control"/>
+  </ds:schemaRefs>
+</ds:datastoreItem>
+</file>
+
+<file path=customXml/itemProps25.xml><?xml version="1.0" encoding="utf-8"?>
 <ds:datastoreItem xmlns:ds="http://schemas.openxmlformats.org/officeDocument/2006/customXml" ds:itemID="{BB7D9753-392D-48A2-A076-FBF572DE8E34}">
   <ds:schemaRefs>
     <ds:schemaRef ds:uri="http://schemas.microsoft.com/VisualStudio/2011/storyboarding/control"/>
@@ -11113,15 +11241,191 @@
 </ds:datastoreItem>
 </file>
 
-<file path=customXml/itemProps11.xml><?xml version="1.0" encoding="utf-8"?>
-<ds:datastoreItem xmlns:ds="http://schemas.openxmlformats.org/officeDocument/2006/customXml" ds:itemID="{06D38026-BC98-4174-8FB7-2B9165AA5C85}">
+<file path=customXml/itemProps26.xml><?xml version="1.0" encoding="utf-8"?>
+<ds:datastoreItem xmlns:ds="http://schemas.openxmlformats.org/officeDocument/2006/customXml" ds:itemID="{CBD4B857-375B-4A1A-B581-B84D507DF5DD}">
   <ds:schemaRefs>
     <ds:schemaRef ds:uri="http://schemas.microsoft.com/VisualStudio/2011/storyboarding/control"/>
   </ds:schemaRefs>
 </ds:datastoreItem>
 </file>
 
-<file path=customXml/itemProps12.xml><?xml version="1.0" encoding="utf-8"?>
+<file path=customXml/itemProps27.xml><?xml version="1.0" encoding="utf-8"?>
+<ds:datastoreItem xmlns:ds="http://schemas.openxmlformats.org/officeDocument/2006/customXml" ds:itemID="{CCD3FEE5-B966-45DE-9291-DFAC8D84DDCC}">
+  <ds:schemaRefs>
+    <ds:schemaRef ds:uri="http://schemas.microsoft.com/VisualStudio/2011/storyboarding/control"/>
+  </ds:schemaRefs>
+</ds:datastoreItem>
+</file>
+
+<file path=customXml/itemProps28.xml><?xml version="1.0" encoding="utf-8"?>
+<ds:datastoreItem xmlns:ds="http://schemas.openxmlformats.org/officeDocument/2006/customXml" ds:itemID="{B69D9E40-2C46-4F88-987B-72B4E9861123}">
+  <ds:schemaRefs>
+    <ds:schemaRef ds:uri="http://schemas.microsoft.com/VisualStudio/2011/storyboarding/control"/>
+  </ds:schemaRefs>
+</ds:datastoreItem>
+</file>
+
+<file path=customXml/itemProps29.xml><?xml version="1.0" encoding="utf-8"?>
+<ds:datastoreItem xmlns:ds="http://schemas.openxmlformats.org/officeDocument/2006/customXml" ds:itemID="{EFC14588-06EC-419F-94BE-6F6F46CB13BC}">
+  <ds:schemaRefs>
+    <ds:schemaRef ds:uri="http://schemas.microsoft.com/VisualStudio/2011/storyboarding/control"/>
+  </ds:schemaRefs>
+</ds:datastoreItem>
+</file>
+
+<file path=customXml/itemProps3.xml><?xml version="1.0" encoding="utf-8"?>
+<ds:datastoreItem xmlns:ds="http://schemas.openxmlformats.org/officeDocument/2006/customXml" ds:itemID="{E34997C2-AD3D-493E-B51D-7D4EC9AB70BF}">
+  <ds:schemaRefs>
+    <ds:schemaRef ds:uri="http://schemas.microsoft.com/VisualStudio/2011/storyboarding/control"/>
+  </ds:schemaRefs>
+</ds:datastoreItem>
+</file>
+
+<file path=customXml/itemProps30.xml><?xml version="1.0" encoding="utf-8"?>
+<ds:datastoreItem xmlns:ds="http://schemas.openxmlformats.org/officeDocument/2006/customXml" ds:itemID="{E4D8F509-A02E-4B18-B3A8-053234537D61}">
+  <ds:schemaRefs>
+    <ds:schemaRef ds:uri="http://schemas.microsoft.com/VisualStudio/2011/storyboarding/control"/>
+  </ds:schemaRefs>
+</ds:datastoreItem>
+</file>
+
+<file path=customXml/itemProps31.xml><?xml version="1.0" encoding="utf-8"?>
+<ds:datastoreItem xmlns:ds="http://schemas.openxmlformats.org/officeDocument/2006/customXml" ds:itemID="{695F6C03-A17F-4FDF-AEB7-537885F61B5D}">
+  <ds:schemaRefs>
+    <ds:schemaRef ds:uri="http://schemas.microsoft.com/VisualStudio/2011/storyboarding/control"/>
+  </ds:schemaRefs>
+</ds:datastoreItem>
+</file>
+
+<file path=customXml/itemProps32.xml><?xml version="1.0" encoding="utf-8"?>
+<ds:datastoreItem xmlns:ds="http://schemas.openxmlformats.org/officeDocument/2006/customXml" ds:itemID="{65A80CD7-B5AE-4CCF-AA49-69C4F84D3382}">
+  <ds:schemaRefs>
+    <ds:schemaRef ds:uri="http://schemas.microsoft.com/VisualStudio/2011/storyboarding/control"/>
+  </ds:schemaRefs>
+</ds:datastoreItem>
+</file>
+
+<file path=customXml/itemProps33.xml><?xml version="1.0" encoding="utf-8"?>
+<ds:datastoreItem xmlns:ds="http://schemas.openxmlformats.org/officeDocument/2006/customXml" ds:itemID="{F2981D8C-EFFA-4345-BBC6-1B6A5C393A99}">
+  <ds:schemaRefs>
+    <ds:schemaRef ds:uri="http://schemas.microsoft.com/VisualStudio/2011/storyboarding/control"/>
+  </ds:schemaRefs>
+</ds:datastoreItem>
+</file>
+
+<file path=customXml/itemProps34.xml><?xml version="1.0" encoding="utf-8"?>
+<ds:datastoreItem xmlns:ds="http://schemas.openxmlformats.org/officeDocument/2006/customXml" ds:itemID="{CEE476E5-CF5F-411E-9247-82F445200B0B}">
+  <ds:schemaRefs>
+    <ds:schemaRef ds:uri="http://schemas.microsoft.com/VisualStudio/2011/storyboarding/control"/>
+  </ds:schemaRefs>
+</ds:datastoreItem>
+</file>
+
+<file path=customXml/itemProps35.xml><?xml version="1.0" encoding="utf-8"?>
+<ds:datastoreItem xmlns:ds="http://schemas.openxmlformats.org/officeDocument/2006/customXml" ds:itemID="{B86FC14E-608D-4408-A64C-21E6AEE90D98}">
+  <ds:schemaRefs>
+    <ds:schemaRef ds:uri="http://schemas.microsoft.com/VisualStudio/2011/storyboarding/control"/>
+  </ds:schemaRefs>
+</ds:datastoreItem>
+</file>
+
+<file path=customXml/itemProps36.xml><?xml version="1.0" encoding="utf-8"?>
+<ds:datastoreItem xmlns:ds="http://schemas.openxmlformats.org/officeDocument/2006/customXml" ds:itemID="{E5D6A16A-CF98-4A75-A4C2-A8106717B2AA}">
+  <ds:schemaRefs>
+    <ds:schemaRef ds:uri="http://schemas.microsoft.com/VisualStudio/2011/storyboarding/control"/>
+  </ds:schemaRefs>
+</ds:datastoreItem>
+</file>
+
+<file path=customXml/itemProps37.xml><?xml version="1.0" encoding="utf-8"?>
+<ds:datastoreItem xmlns:ds="http://schemas.openxmlformats.org/officeDocument/2006/customXml" ds:itemID="{2685849F-6A19-41CB-A504-896FBE12A206}">
+  <ds:schemaRefs>
+    <ds:schemaRef ds:uri="http://schemas.microsoft.com/VisualStudio/2011/storyboarding/control"/>
+  </ds:schemaRefs>
+</ds:datastoreItem>
+</file>
+
+<file path=customXml/itemProps38.xml><?xml version="1.0" encoding="utf-8"?>
+<ds:datastoreItem xmlns:ds="http://schemas.openxmlformats.org/officeDocument/2006/customXml" ds:itemID="{EE0B4622-6CDE-4CDA-864A-CDFEB791B6C7}">
+  <ds:schemaRefs>
+    <ds:schemaRef ds:uri="http://schemas.microsoft.com/VisualStudio/2011/storyboarding/control"/>
+  </ds:schemaRefs>
+</ds:datastoreItem>
+</file>
+
+<file path=customXml/itemProps39.xml><?xml version="1.0" encoding="utf-8"?>
+<ds:datastoreItem xmlns:ds="http://schemas.openxmlformats.org/officeDocument/2006/customXml" ds:itemID="{31AAF4D6-AA24-4C8C-A9BD-2FBD054E6DEC}">
+  <ds:schemaRefs>
+    <ds:schemaRef ds:uri="http://schemas.microsoft.com/VisualStudio/2011/storyboarding/control"/>
+  </ds:schemaRefs>
+</ds:datastoreItem>
+</file>
+
+<file path=customXml/itemProps4.xml><?xml version="1.0" encoding="utf-8"?>
+<ds:datastoreItem xmlns:ds="http://schemas.openxmlformats.org/officeDocument/2006/customXml" ds:itemID="{289EA322-1A53-47B7-862C-790FE4AE1112}">
+  <ds:schemaRefs>
+    <ds:schemaRef ds:uri="http://schemas.microsoft.com/VisualStudio/2011/storyboarding/control"/>
+  </ds:schemaRefs>
+</ds:datastoreItem>
+</file>
+
+<file path=customXml/itemProps40.xml><?xml version="1.0" encoding="utf-8"?>
+<ds:datastoreItem xmlns:ds="http://schemas.openxmlformats.org/officeDocument/2006/customXml" ds:itemID="{35112EEB-E481-46F1-8D53-9CDE0756BC12}">
+  <ds:schemaRefs>
+    <ds:schemaRef ds:uri="http://schemas.microsoft.com/VisualStudio/2011/storyboarding/control"/>
+  </ds:schemaRefs>
+</ds:datastoreItem>
+</file>
+
+<file path=customXml/itemProps41.xml><?xml version="1.0" encoding="utf-8"?>
+<ds:datastoreItem xmlns:ds="http://schemas.openxmlformats.org/officeDocument/2006/customXml" ds:itemID="{09529509-9B7A-485C-8029-B5C94DE171B2}">
+  <ds:schemaRefs>
+    <ds:schemaRef ds:uri="http://schemas.microsoft.com/VisualStudio/2011/storyboarding/control"/>
+  </ds:schemaRefs>
+</ds:datastoreItem>
+</file>
+
+<file path=customXml/itemProps42.xml><?xml version="1.0" encoding="utf-8"?>
+<ds:datastoreItem xmlns:ds="http://schemas.openxmlformats.org/officeDocument/2006/customXml" ds:itemID="{C8B62D3C-0321-4182-8CD7-DC193A852FA6}">
+  <ds:schemaRefs>
+    <ds:schemaRef ds:uri="http://schemas.microsoft.com/VisualStudio/2011/storyboarding/control"/>
+  </ds:schemaRefs>
+</ds:datastoreItem>
+</file>
+
+<file path=customXml/itemProps43.xml><?xml version="1.0" encoding="utf-8"?>
+<ds:datastoreItem xmlns:ds="http://schemas.openxmlformats.org/officeDocument/2006/customXml" ds:itemID="{CD421EAA-C8C4-4FA9-88CD-C8395FEE7D22}">
+  <ds:schemaRefs>
+    <ds:schemaRef ds:uri="http://schemas.microsoft.com/VisualStudio/2011/storyboarding/control"/>
+  </ds:schemaRefs>
+</ds:datastoreItem>
+</file>
+
+<file path=customXml/itemProps44.xml><?xml version="1.0" encoding="utf-8"?>
+<ds:datastoreItem xmlns:ds="http://schemas.openxmlformats.org/officeDocument/2006/customXml" ds:itemID="{947B70F0-25B2-409B-9620-26D07EADF901}">
+  <ds:schemaRefs>
+    <ds:schemaRef ds:uri="http://schemas.microsoft.com/VisualStudio/2011/storyboarding/control"/>
+  </ds:schemaRefs>
+</ds:datastoreItem>
+</file>
+
+<file path=customXml/itemProps45.xml><?xml version="1.0" encoding="utf-8"?>
+<ds:datastoreItem xmlns:ds="http://schemas.openxmlformats.org/officeDocument/2006/customXml" ds:itemID="{03CB82F2-DCF8-43C5-8825-F7A4A70847A7}">
+  <ds:schemaRefs>
+    <ds:schemaRef ds:uri="http://schemas.microsoft.com/VisualStudio/2011/storyboarding/control"/>
+  </ds:schemaRefs>
+</ds:datastoreItem>
+</file>
+
+<file path=customXml/itemProps46.xml><?xml version="1.0" encoding="utf-8"?>
+<ds:datastoreItem xmlns:ds="http://schemas.openxmlformats.org/officeDocument/2006/customXml" ds:itemID="{33BCB5A7-3308-457A-8128-27442D3BDF64}">
+  <ds:schemaRefs>
+    <ds:schemaRef ds:uri="http://schemas.microsoft.com/VisualStudio/2011/storyboarding/control"/>
+  </ds:schemaRefs>
+</ds:datastoreItem>
+</file>
+
+<file path=customXml/itemProps47.xml><?xml version="1.0" encoding="utf-8"?>
 <ds:datastoreItem xmlns:ds="http://schemas.openxmlformats.org/officeDocument/2006/customXml" ds:itemID="{72F2A2D4-0E15-4AB7-A72E-E330D4D0A837}">
   <ds:schemaRefs>
     <ds:schemaRef ds:uri="http://schemas.microsoft.com/VisualStudio/2011/storyboarding/control"/>
@@ -11129,39 +11433,7 @@
 </ds:datastoreItem>
 </file>
 
-<file path=customXml/itemProps13.xml><?xml version="1.0" encoding="utf-8"?>
-<ds:datastoreItem xmlns:ds="http://schemas.openxmlformats.org/officeDocument/2006/customXml" ds:itemID="{379DF789-2DCD-4839-96B5-6FC72876C583}">
-  <ds:schemaRefs>
-    <ds:schemaRef ds:uri="http://schemas.microsoft.com/VisualStudio/2011/storyboarding/control"/>
-  </ds:schemaRefs>
-</ds:datastoreItem>
-</file>
-
-<file path=customXml/itemProps14.xml><?xml version="1.0" encoding="utf-8"?>
-<ds:datastoreItem xmlns:ds="http://schemas.openxmlformats.org/officeDocument/2006/customXml" ds:itemID="{CEE476E5-CF5F-411E-9247-82F445200B0B}">
-  <ds:schemaRefs>
-    <ds:schemaRef ds:uri="http://schemas.microsoft.com/VisualStudio/2011/storyboarding/control"/>
-  </ds:schemaRefs>
-</ds:datastoreItem>
-</file>
-
-<file path=customXml/itemProps15.xml><?xml version="1.0" encoding="utf-8"?>
-<ds:datastoreItem xmlns:ds="http://schemas.openxmlformats.org/officeDocument/2006/customXml" ds:itemID="{4DEEFB2C-709C-412A-86BE-A6FFB96D7887}">
-  <ds:schemaRefs>
-    <ds:schemaRef ds:uri="http://schemas.microsoft.com/VisualStudio/2011/storyboarding/control"/>
-  </ds:schemaRefs>
-</ds:datastoreItem>
-</file>
-
-<file path=customXml/itemProps16.xml><?xml version="1.0" encoding="utf-8"?>
-<ds:datastoreItem xmlns:ds="http://schemas.openxmlformats.org/officeDocument/2006/customXml" ds:itemID="{18F02F01-A912-49D3-BFE3-8E0E43D4A9C1}">
-  <ds:schemaRefs>
-    <ds:schemaRef ds:uri="http://schemas.microsoft.com/VisualStudio/2011/storyboarding/control"/>
-  </ds:schemaRefs>
-</ds:datastoreItem>
-</file>
-
-<file path=customXml/itemProps17.xml><?xml version="1.0" encoding="utf-8"?>
+<file path=customXml/itemProps48.xml><?xml version="1.0" encoding="utf-8"?>
 <ds:datastoreItem xmlns:ds="http://schemas.openxmlformats.org/officeDocument/2006/customXml" ds:itemID="{1C9245E5-D92A-4B4E-BC4D-F7B2A03F13C9}">
   <ds:schemaRefs>
     <ds:schemaRef ds:uri="http://schemas.microsoft.com/VisualStudio/2011/storyboarding/control"/>
@@ -11169,23 +11441,15 @@
 </ds:datastoreItem>
 </file>
 
-<file path=customXml/itemProps18.xml><?xml version="1.0" encoding="utf-8"?>
-<ds:datastoreItem xmlns:ds="http://schemas.openxmlformats.org/officeDocument/2006/customXml" ds:itemID="{CE60043E-BB5D-413F-A3CE-B2BFC4C8CCF2}">
+<file path=customXml/itemProps49.xml><?xml version="1.0" encoding="utf-8"?>
+<ds:datastoreItem xmlns:ds="http://schemas.openxmlformats.org/officeDocument/2006/customXml" ds:itemID="{E6075BD9-1166-4A0A-98C7-A79F25DEFD10}">
   <ds:schemaRefs>
     <ds:schemaRef ds:uri="http://schemas.microsoft.com/VisualStudio/2011/storyboarding/control"/>
   </ds:schemaRefs>
 </ds:datastoreItem>
 </file>
 
-<file path=customXml/itemProps19.xml><?xml version="1.0" encoding="utf-8"?>
-<ds:datastoreItem xmlns:ds="http://schemas.openxmlformats.org/officeDocument/2006/customXml" ds:itemID="{CBD4B857-375B-4A1A-B581-B84D507DF5DD}">
-  <ds:schemaRefs>
-    <ds:schemaRef ds:uri="http://schemas.microsoft.com/VisualStudio/2011/storyboarding/control"/>
-  </ds:schemaRefs>
-</ds:datastoreItem>
-</file>
-
-<file path=customXml/itemProps2.xml><?xml version="1.0" encoding="utf-8"?>
+<file path=customXml/itemProps5.xml><?xml version="1.0" encoding="utf-8"?>
 <ds:datastoreItem xmlns:ds="http://schemas.openxmlformats.org/officeDocument/2006/customXml" ds:itemID="{13D9A9AD-BB95-4F5C-AD98-4D1F1CCC7415}">
   <ds:schemaRefs>
     <ds:schemaRef ds:uri="http://schemas.microsoft.com/VisualStudio/2011/storyboarding/control"/>
@@ -11193,119 +11457,7 @@
 </ds:datastoreItem>
 </file>
 
-<file path=customXml/itemProps20.xml><?xml version="1.0" encoding="utf-8"?>
-<ds:datastoreItem xmlns:ds="http://schemas.openxmlformats.org/officeDocument/2006/customXml" ds:itemID="{AED98825-2AF1-4AE8-B94F-94AFB74A2073}">
-  <ds:schemaRefs>
-    <ds:schemaRef ds:uri="http://schemas.microsoft.com/VisualStudio/2011/storyboarding/control"/>
-  </ds:schemaRefs>
-</ds:datastoreItem>
-</file>
-
-<file path=customXml/itemProps21.xml><?xml version="1.0" encoding="utf-8"?>
-<ds:datastoreItem xmlns:ds="http://schemas.openxmlformats.org/officeDocument/2006/customXml" ds:itemID="{BA3107AF-E3E2-4794-B402-0063A878AF4C}">
-  <ds:schemaRefs>
-    <ds:schemaRef ds:uri="http://schemas.microsoft.com/VisualStudio/2011/storyboarding/control"/>
-  </ds:schemaRefs>
-</ds:datastoreItem>
-</file>
-
-<file path=customXml/itemProps22.xml><?xml version="1.0" encoding="utf-8"?>
-<ds:datastoreItem xmlns:ds="http://schemas.openxmlformats.org/officeDocument/2006/customXml" ds:itemID="{B86FC14E-608D-4408-A64C-21E6AEE90D98}">
-  <ds:schemaRefs>
-    <ds:schemaRef ds:uri="http://schemas.microsoft.com/VisualStudio/2011/storyboarding/control"/>
-  </ds:schemaRefs>
-</ds:datastoreItem>
-</file>
-
-<file path=customXml/itemProps23.xml><?xml version="1.0" encoding="utf-8"?>
-<ds:datastoreItem xmlns:ds="http://schemas.openxmlformats.org/officeDocument/2006/customXml" ds:itemID="{DF6F784A-3D3D-4D80-80A8-B8CA09A861B5}">
-  <ds:schemaRefs>
-    <ds:schemaRef ds:uri="http://schemas.microsoft.com/VisualStudio/2011/storyboarding/control"/>
-  </ds:schemaRefs>
-</ds:datastoreItem>
-</file>
-
-<file path=customXml/itemProps24.xml><?xml version="1.0" encoding="utf-8"?>
-<ds:datastoreItem xmlns:ds="http://schemas.openxmlformats.org/officeDocument/2006/customXml" ds:itemID="{82102D14-41E9-4666-9EC9-258851AE0B71}">
-  <ds:schemaRefs>
-    <ds:schemaRef ds:uri="http://schemas.microsoft.com/VisualStudio/2011/storyboarding/control"/>
-  </ds:schemaRefs>
-</ds:datastoreItem>
-</file>
-
-<file path=customXml/itemProps25.xml><?xml version="1.0" encoding="utf-8"?>
-<ds:datastoreItem xmlns:ds="http://schemas.openxmlformats.org/officeDocument/2006/customXml" ds:itemID="{E6075BD9-1166-4A0A-98C7-A79F25DEFD10}">
-  <ds:schemaRefs>
-    <ds:schemaRef ds:uri="http://schemas.microsoft.com/VisualStudio/2011/storyboarding/control"/>
-  </ds:schemaRefs>
-</ds:datastoreItem>
-</file>
-
-<file path=customXml/itemProps26.xml><?xml version="1.0" encoding="utf-8"?>
-<ds:datastoreItem xmlns:ds="http://schemas.openxmlformats.org/officeDocument/2006/customXml" ds:itemID="{9E133243-C64C-422C-91F2-3CAB409C6E95}">
-  <ds:schemaRefs>
-    <ds:schemaRef ds:uri="http://schemas.microsoft.com/VisualStudio/2011/storyboarding/control"/>
-  </ds:schemaRefs>
-</ds:datastoreItem>
-</file>
-
-<file path=customXml/itemProps27.xml><?xml version="1.0" encoding="utf-8"?>
-<ds:datastoreItem xmlns:ds="http://schemas.openxmlformats.org/officeDocument/2006/customXml" ds:itemID="{E5D6A16A-CF98-4A75-A4C2-A8106717B2AA}">
-  <ds:schemaRefs>
-    <ds:schemaRef ds:uri="http://schemas.microsoft.com/VisualStudio/2011/storyboarding/control"/>
-  </ds:schemaRefs>
-</ds:datastoreItem>
-</file>
-
-<file path=customXml/itemProps28.xml><?xml version="1.0" encoding="utf-8"?>
-<ds:datastoreItem xmlns:ds="http://schemas.openxmlformats.org/officeDocument/2006/customXml" ds:itemID="{E0D63D58-E75C-402C-B534-D08183486252}">
-  <ds:schemaRefs>
-    <ds:schemaRef ds:uri="http://schemas.microsoft.com/VisualStudio/2011/storyboarding/control"/>
-  </ds:schemaRefs>
-</ds:datastoreItem>
-</file>
-
-<file path=customXml/itemProps29.xml><?xml version="1.0" encoding="utf-8"?>
-<ds:datastoreItem xmlns:ds="http://schemas.openxmlformats.org/officeDocument/2006/customXml" ds:itemID="{DA0DCFBB-39AC-4540-9DC8-AE732FF43F16}">
-  <ds:schemaRefs>
-    <ds:schemaRef ds:uri="http://schemas.microsoft.com/VisualStudio/2011/storyboarding/control"/>
-  </ds:schemaRefs>
-</ds:datastoreItem>
-</file>
-
-<file path=customXml/itemProps3.xml><?xml version="1.0" encoding="utf-8"?>
-<ds:datastoreItem xmlns:ds="http://schemas.openxmlformats.org/officeDocument/2006/customXml" ds:itemID="{33BCB5A7-3308-457A-8128-27442D3BDF64}">
-  <ds:schemaRefs>
-    <ds:schemaRef ds:uri="http://schemas.microsoft.com/VisualStudio/2011/storyboarding/control"/>
-  </ds:schemaRefs>
-</ds:datastoreItem>
-</file>
-
-<file path=customXml/itemProps30.xml><?xml version="1.0" encoding="utf-8"?>
-<ds:datastoreItem xmlns:ds="http://schemas.openxmlformats.org/officeDocument/2006/customXml" ds:itemID="{2685849F-6A19-41CB-A504-896FBE12A206}">
-  <ds:schemaRefs>
-    <ds:schemaRef ds:uri="http://schemas.microsoft.com/VisualStudio/2011/storyboarding/control"/>
-  </ds:schemaRefs>
-</ds:datastoreItem>
-</file>
-
-<file path=customXml/itemProps31.xml><?xml version="1.0" encoding="utf-8"?>
-<ds:datastoreItem xmlns:ds="http://schemas.openxmlformats.org/officeDocument/2006/customXml" ds:itemID="{CCD3FEE5-B966-45DE-9291-DFAC8D84DDCC}">
-  <ds:schemaRefs>
-    <ds:schemaRef ds:uri="http://schemas.microsoft.com/VisualStudio/2011/storyboarding/control"/>
-  </ds:schemaRefs>
-</ds:datastoreItem>
-</file>
-
-<file path=customXml/itemProps32.xml><?xml version="1.0" encoding="utf-8"?>
-<ds:datastoreItem xmlns:ds="http://schemas.openxmlformats.org/officeDocument/2006/customXml" ds:itemID="{AAE31215-E72B-4113-BD7F-D9BE1F494964}">
-  <ds:schemaRefs>
-    <ds:schemaRef ds:uri="http://schemas.microsoft.com/VisualStudio/2011/storyboarding/control"/>
-  </ds:schemaRefs>
-</ds:datastoreItem>
-</file>
-
-<file path=customXml/itemProps33.xml><?xml version="1.0" encoding="utf-8"?>
+<file path=customXml/itemProps50.xml><?xml version="1.0" encoding="utf-8"?>
 <ds:datastoreItem xmlns:ds="http://schemas.openxmlformats.org/officeDocument/2006/customXml" ds:itemID="{0888E71B-2B65-4394-B947-B1DD3B03D752}">
   <ds:schemaRefs>
     <ds:schemaRef ds:uri="http://schemas.microsoft.com/VisualStudio/2011/storyboarding/control"/>
@@ -11313,39 +11465,7 @@
 </ds:datastoreItem>
 </file>
 
-<file path=customXml/itemProps34.xml><?xml version="1.0" encoding="utf-8"?>
-<ds:datastoreItem xmlns:ds="http://schemas.openxmlformats.org/officeDocument/2006/customXml" ds:itemID="{488596C9-7EB1-43C7-9B27-20240FAA3B69}">
-  <ds:schemaRefs>
-    <ds:schemaRef ds:uri="http://schemas.microsoft.com/VisualStudio/2011/storyboarding/control"/>
-  </ds:schemaRefs>
-</ds:datastoreItem>
-</file>
-
-<file path=customXml/itemProps35.xml><?xml version="1.0" encoding="utf-8"?>
-<ds:datastoreItem xmlns:ds="http://schemas.openxmlformats.org/officeDocument/2006/customXml" ds:itemID="{EE0B4622-6CDE-4CDA-864A-CDFEB791B6C7}">
-  <ds:schemaRefs>
-    <ds:schemaRef ds:uri="http://schemas.microsoft.com/VisualStudio/2011/storyboarding/control"/>
-  </ds:schemaRefs>
-</ds:datastoreItem>
-</file>
-
-<file path=customXml/itemProps36.xml><?xml version="1.0" encoding="utf-8"?>
-<ds:datastoreItem xmlns:ds="http://schemas.openxmlformats.org/officeDocument/2006/customXml" ds:itemID="{D9E77463-15FD-4550-BB8F-F6D0B64E3766}">
-  <ds:schemaRefs>
-    <ds:schemaRef ds:uri="http://schemas.microsoft.com/VisualStudio/2011/storyboarding/control"/>
-  </ds:schemaRefs>
-</ds:datastoreItem>
-</file>
-
-<file path=customXml/itemProps37.xml><?xml version="1.0" encoding="utf-8"?>
-<ds:datastoreItem xmlns:ds="http://schemas.openxmlformats.org/officeDocument/2006/customXml" ds:itemID="{93654A25-2D15-4A8B-BDE3-EAF755CB2874}">
-  <ds:schemaRefs>
-    <ds:schemaRef ds:uri="http://schemas.microsoft.com/VisualStudio/2011/storyboarding/control"/>
-  </ds:schemaRefs>
-</ds:datastoreItem>
-</file>
-
-<file path=customXml/itemProps38.xml><?xml version="1.0" encoding="utf-8"?>
+<file path=customXml/itemProps51.xml><?xml version="1.0" encoding="utf-8"?>
 <ds:datastoreItem xmlns:ds="http://schemas.openxmlformats.org/officeDocument/2006/customXml" ds:itemID="{DCEEA71D-9747-42A6-9ED6-5B709DDD9456}">
   <ds:schemaRefs>
     <ds:schemaRef ds:uri="http://schemas.microsoft.com/VisualStudio/2011/storyboarding/control"/>
@@ -11353,71 +11473,7 @@
 </ds:datastoreItem>
 </file>
 
-<file path=customXml/itemProps39.xml><?xml version="1.0" encoding="utf-8"?>
-<ds:datastoreItem xmlns:ds="http://schemas.openxmlformats.org/officeDocument/2006/customXml" ds:itemID="{66EBE552-1319-4142-9350-0099216CC861}">
-  <ds:schemaRefs>
-    <ds:schemaRef ds:uri="http://schemas.microsoft.com/VisualStudio/2011/storyboarding/control"/>
-  </ds:schemaRefs>
-</ds:datastoreItem>
-</file>
-
-<file path=customXml/itemProps4.xml><?xml version="1.0" encoding="utf-8"?>
-<ds:datastoreItem xmlns:ds="http://schemas.openxmlformats.org/officeDocument/2006/customXml" ds:itemID="{65A80CD7-B5AE-4CCF-AA49-69C4F84D3382}">
-  <ds:schemaRefs>
-    <ds:schemaRef ds:uri="http://schemas.microsoft.com/VisualStudio/2011/storyboarding/control"/>
-  </ds:schemaRefs>
-</ds:datastoreItem>
-</file>
-
-<file path=customXml/itemProps40.xml><?xml version="1.0" encoding="utf-8"?>
-<ds:datastoreItem xmlns:ds="http://schemas.openxmlformats.org/officeDocument/2006/customXml" ds:itemID="{E182FE72-C0E2-4BA3-A365-A52770CA164F}">
-  <ds:schemaRefs>
-    <ds:schemaRef ds:uri="http://schemas.microsoft.com/VisualStudio/2011/storyboarding/control"/>
-  </ds:schemaRefs>
-</ds:datastoreItem>
-</file>
-
-<file path=customXml/itemProps41.xml><?xml version="1.0" encoding="utf-8"?>
-<ds:datastoreItem xmlns:ds="http://schemas.openxmlformats.org/officeDocument/2006/customXml" ds:itemID="{62A15284-2739-4BAD-8287-C81CE00DE000}">
-  <ds:schemaRefs>
-    <ds:schemaRef ds:uri="http://schemas.microsoft.com/VisualStudio/2011/storyboarding/control"/>
-  </ds:schemaRefs>
-</ds:datastoreItem>
-</file>
-
-<file path=customXml/itemProps42.xml><?xml version="1.0" encoding="utf-8"?>
-<ds:datastoreItem xmlns:ds="http://schemas.openxmlformats.org/officeDocument/2006/customXml" ds:itemID="{8B17E340-0D72-49FE-B9DA-F87FFF1FDF24}">
-  <ds:schemaRefs>
-    <ds:schemaRef ds:uri="http://schemas.microsoft.com/VisualStudio/2011/storyboarding/control"/>
-  </ds:schemaRefs>
-</ds:datastoreItem>
-</file>
-
-<file path=customXml/itemProps43.xml><?xml version="1.0" encoding="utf-8"?>
-<ds:datastoreItem xmlns:ds="http://schemas.openxmlformats.org/officeDocument/2006/customXml" ds:itemID="{31AAF4D6-AA24-4C8C-A9BD-2FBD054E6DEC}">
-  <ds:schemaRefs>
-    <ds:schemaRef ds:uri="http://schemas.microsoft.com/VisualStudio/2011/storyboarding/control"/>
-  </ds:schemaRefs>
-</ds:datastoreItem>
-</file>
-
-<file path=customXml/itemProps44.xml><?xml version="1.0" encoding="utf-8"?>
-<ds:datastoreItem xmlns:ds="http://schemas.openxmlformats.org/officeDocument/2006/customXml" ds:itemID="{B69D9E40-2C46-4F88-987B-72B4E9861123}">
-  <ds:schemaRefs>
-    <ds:schemaRef ds:uri="http://schemas.microsoft.com/VisualStudio/2011/storyboarding/control"/>
-  </ds:schemaRefs>
-</ds:datastoreItem>
-</file>
-
-<file path=customXml/itemProps45.xml><?xml version="1.0" encoding="utf-8"?>
-<ds:datastoreItem xmlns:ds="http://schemas.openxmlformats.org/officeDocument/2006/customXml" ds:itemID="{E4711521-DAC0-469D-B648-5B02D62C2390}">
-  <ds:schemaRefs>
-    <ds:schemaRef ds:uri="http://schemas.microsoft.com/VisualStudio/2011/storyboarding/control"/>
-  </ds:schemaRefs>
-</ds:datastoreItem>
-</file>
-
-<file path=customXml/itemProps46.xml><?xml version="1.0" encoding="utf-8"?>
+<file path=customXml/itemProps52.xml><?xml version="1.0" encoding="utf-8"?>
 <ds:datastoreItem xmlns:ds="http://schemas.openxmlformats.org/officeDocument/2006/customXml" ds:itemID="{4069DEAB-06E5-4409-AC98-CF985925FD5C}">
   <ds:schemaRefs>
     <ds:schemaRef ds:uri="http://schemas.microsoft.com/VisualStudio/2011/storyboarding/control"/>
@@ -11425,111 +11481,7 @@
 </ds:datastoreItem>
 </file>
 
-<file path=customXml/itemProps47.xml><?xml version="1.0" encoding="utf-8"?>
-<ds:datastoreItem xmlns:ds="http://schemas.openxmlformats.org/officeDocument/2006/customXml" ds:itemID="{52882E93-D2C4-4830-A04C-F2F83EADB7B6}">
-  <ds:schemaRefs>
-    <ds:schemaRef ds:uri="http://schemas.microsoft.com/VisualStudio/2011/storyboarding/control"/>
-  </ds:schemaRefs>
-</ds:datastoreItem>
-</file>
-
-<file path=customXml/itemProps48.xml><?xml version="1.0" encoding="utf-8"?>
-<ds:datastoreItem xmlns:ds="http://schemas.openxmlformats.org/officeDocument/2006/customXml" ds:itemID="{35112EEB-E481-46F1-8D53-9CDE0756BC12}">
-  <ds:schemaRefs>
-    <ds:schemaRef ds:uri="http://schemas.microsoft.com/VisualStudio/2011/storyboarding/control"/>
-  </ds:schemaRefs>
-</ds:datastoreItem>
-</file>
-
-<file path=customXml/itemProps49.xml><?xml version="1.0" encoding="utf-8"?>
-<ds:datastoreItem xmlns:ds="http://schemas.openxmlformats.org/officeDocument/2006/customXml" ds:itemID="{4B44D672-B64D-4E04-87DA-4913458617EB}">
-  <ds:schemaRefs>
-    <ds:schemaRef ds:uri="http://schemas.microsoft.com/VisualStudio/2011/storyboarding/control"/>
-  </ds:schemaRefs>
-</ds:datastoreItem>
-</file>
-
-<file path=customXml/itemProps5.xml><?xml version="1.0" encoding="utf-8"?>
-<ds:datastoreItem xmlns:ds="http://schemas.openxmlformats.org/officeDocument/2006/customXml" ds:itemID="{046A19BB-6670-49E4-93F7-F415A847A35A}">
-  <ds:schemaRefs>
-    <ds:schemaRef ds:uri="http://schemas.microsoft.com/VisualStudio/2011/storyboarding/control"/>
-  </ds:schemaRefs>
-</ds:datastoreItem>
-</file>
-
-<file path=customXml/itemProps50.xml><?xml version="1.0" encoding="utf-8"?>
-<ds:datastoreItem xmlns:ds="http://schemas.openxmlformats.org/officeDocument/2006/customXml" ds:itemID="{F7DDEE5F-5301-4D97-9D87-00F1EE0EC367}">
-  <ds:schemaRefs>
-    <ds:schemaRef ds:uri="http://schemas.microsoft.com/VisualStudio/2011/storyboarding/control"/>
-  </ds:schemaRefs>
-</ds:datastoreItem>
-</file>
-
-<file path=customXml/itemProps51.xml><?xml version="1.0" encoding="utf-8"?>
-<ds:datastoreItem xmlns:ds="http://schemas.openxmlformats.org/officeDocument/2006/customXml" ds:itemID="{03CB82F2-DCF8-43C5-8825-F7A4A70847A7}">
-  <ds:schemaRefs>
-    <ds:schemaRef ds:uri="http://schemas.microsoft.com/VisualStudio/2011/storyboarding/control"/>
-  </ds:schemaRefs>
-</ds:datastoreItem>
-</file>
-
-<file path=customXml/itemProps52.xml><?xml version="1.0" encoding="utf-8"?>
-<ds:datastoreItem xmlns:ds="http://schemas.openxmlformats.org/officeDocument/2006/customXml" ds:itemID="{EFC14588-06EC-419F-94BE-6F6F46CB13BC}">
-  <ds:schemaRefs>
-    <ds:schemaRef ds:uri="http://schemas.microsoft.com/VisualStudio/2011/storyboarding/control"/>
-  </ds:schemaRefs>
-</ds:datastoreItem>
-</file>
-
 <file path=customXml/itemProps53.xml><?xml version="1.0" encoding="utf-8"?>
-<ds:datastoreItem xmlns:ds="http://schemas.openxmlformats.org/officeDocument/2006/customXml" ds:itemID="{69129BF2-73AE-43F2-8DD1-6625BD84AE1E}">
-  <ds:schemaRefs>
-    <ds:schemaRef ds:uri="http://schemas.microsoft.com/VisualStudio/2011/storyboarding/control"/>
-  </ds:schemaRefs>
-</ds:datastoreItem>
-</file>
-
-<file path=customXml/itemProps54.xml><?xml version="1.0" encoding="utf-8"?>
-<ds:datastoreItem xmlns:ds="http://schemas.openxmlformats.org/officeDocument/2006/customXml" ds:itemID="{97A1B98B-9B3E-4659-9AB0-6FAC102EBFBB}">
-  <ds:schemaRefs>
-    <ds:schemaRef ds:uri="http://schemas.microsoft.com/VisualStudio/2011/storyboarding/control"/>
-  </ds:schemaRefs>
-</ds:datastoreItem>
-</file>
-
-<file path=customXml/itemProps55.xml><?xml version="1.0" encoding="utf-8"?>
-<ds:datastoreItem xmlns:ds="http://schemas.openxmlformats.org/officeDocument/2006/customXml" ds:itemID="{2CCF8896-E1AB-4BF9-B8F6-163C8A78CA31}">
-  <ds:schemaRefs>
-    <ds:schemaRef ds:uri="http://schemas.microsoft.com/VisualStudio/2011/storyboarding/control"/>
-  </ds:schemaRefs>
-</ds:datastoreItem>
-</file>
-
-<file path=customXml/itemProps56.xml><?xml version="1.0" encoding="utf-8"?>
-<ds:datastoreItem xmlns:ds="http://schemas.openxmlformats.org/officeDocument/2006/customXml" ds:itemID="{09529509-9B7A-485C-8029-B5C94DE171B2}">
-  <ds:schemaRefs>
-    <ds:schemaRef ds:uri="http://schemas.microsoft.com/VisualStudio/2011/storyboarding/control"/>
-  </ds:schemaRefs>
-</ds:datastoreItem>
-</file>
-
-<file path=customXml/itemProps57.xml><?xml version="1.0" encoding="utf-8"?>
-<ds:datastoreItem xmlns:ds="http://schemas.openxmlformats.org/officeDocument/2006/customXml" ds:itemID="{81981509-3042-44BA-9641-07E94EE6D7B9}">
-  <ds:schemaRefs>
-    <ds:schemaRef ds:uri="http://schemas.microsoft.com/VisualStudio/2011/storyboarding/control"/>
-  </ds:schemaRefs>
-</ds:datastoreItem>
-</file>
-
-<file path=customXml/itemProps58.xml><?xml version="1.0" encoding="utf-8"?>
-<ds:datastoreItem xmlns:ds="http://schemas.openxmlformats.org/officeDocument/2006/customXml" ds:itemID="{3599727D-2C05-4106-89DD-AF7AF2BC72DB}">
-  <ds:schemaRefs>
-    <ds:schemaRef ds:uri="http://schemas.microsoft.com/VisualStudio/2011/storyboarding/control"/>
-  </ds:schemaRefs>
-</ds:datastoreItem>
-</file>
-
-<file path=customXml/itemProps59.xml><?xml version="1.0" encoding="utf-8"?>
 <ds:datastoreItem xmlns:ds="http://schemas.openxmlformats.org/officeDocument/2006/customXml" ds:itemID="{1322E1B6-B69B-4B1E-9F64-FFB1E4A65691}">
   <ds:schemaRefs>
     <ds:schemaRef ds:uri="http://schemas.microsoft.com/office/2006/metadata/properties"/>
@@ -11539,7 +11491,71 @@
 </ds:datastoreItem>
 </file>
 
+<file path=customXml/itemProps54.xml><?xml version="1.0" encoding="utf-8"?>
+<ds:datastoreItem xmlns:ds="http://schemas.openxmlformats.org/officeDocument/2006/customXml" ds:itemID="{AF5775B7-BDFF-4B1D-B5D6-59813A1CD2C2}">
+  <ds:schemaRefs>
+    <ds:schemaRef ds:uri="http://schemas.microsoft.com/VisualStudio/2011/storyboarding/control"/>
+  </ds:schemaRefs>
+</ds:datastoreItem>
+</file>
+
+<file path=customXml/itemProps55.xml><?xml version="1.0" encoding="utf-8"?>
+<ds:datastoreItem xmlns:ds="http://schemas.openxmlformats.org/officeDocument/2006/customXml" ds:itemID="{AED98825-2AF1-4AE8-B94F-94AFB74A2073}">
+  <ds:schemaRefs>
+    <ds:schemaRef ds:uri="http://schemas.microsoft.com/VisualStudio/2011/storyboarding/control"/>
+  </ds:schemaRefs>
+</ds:datastoreItem>
+</file>
+
+<file path=customXml/itemProps56.xml><?xml version="1.0" encoding="utf-8"?>
+<ds:datastoreItem xmlns:ds="http://schemas.openxmlformats.org/officeDocument/2006/customXml" ds:itemID="{62A15284-2739-4BAD-8287-C81CE00DE000}">
+  <ds:schemaRefs>
+    <ds:schemaRef ds:uri="http://schemas.microsoft.com/VisualStudio/2011/storyboarding/control"/>
+  </ds:schemaRefs>
+</ds:datastoreItem>
+</file>
+
+<file path=customXml/itemProps57.xml><?xml version="1.0" encoding="utf-8"?>
+<ds:datastoreItem xmlns:ds="http://schemas.openxmlformats.org/officeDocument/2006/customXml" ds:itemID="{97A1B98B-9B3E-4659-9AB0-6FAC102EBFBB}">
+  <ds:schemaRefs>
+    <ds:schemaRef ds:uri="http://schemas.microsoft.com/VisualStudio/2011/storyboarding/control"/>
+  </ds:schemaRefs>
+</ds:datastoreItem>
+</file>
+
+<file path=customXml/itemProps58.xml><?xml version="1.0" encoding="utf-8"?>
+<ds:datastoreItem xmlns:ds="http://schemas.openxmlformats.org/officeDocument/2006/customXml" ds:itemID="{8EB58AD0-E438-4793-891F-96F47744FE8A}">
+  <ds:schemaRefs>
+    <ds:schemaRef ds:uri="http://schemas.microsoft.com/VisualStudio/2011/storyboarding/control"/>
+  </ds:schemaRefs>
+</ds:datastoreItem>
+</file>
+
+<file path=customXml/itemProps59.xml><?xml version="1.0" encoding="utf-8"?>
+<ds:datastoreItem xmlns:ds="http://schemas.openxmlformats.org/officeDocument/2006/customXml" ds:itemID="{2B3F7FF3-3B34-4829-A3AC-B22AEE822B9E}">
+  <ds:schemaRefs>
+    <ds:schemaRef ds:uri="http://schemas.microsoft.com/VisualStudio/2011/storyboarding/control"/>
+  </ds:schemaRefs>
+</ds:datastoreItem>
+</file>
+
 <file path=customXml/itemProps6.xml><?xml version="1.0" encoding="utf-8"?>
+<ds:datastoreItem xmlns:ds="http://schemas.openxmlformats.org/officeDocument/2006/customXml" ds:itemID="{18F02F01-A912-49D3-BFE3-8E0E43D4A9C1}">
+  <ds:schemaRefs>
+    <ds:schemaRef ds:uri="http://schemas.microsoft.com/VisualStudio/2011/storyboarding/control"/>
+  </ds:schemaRefs>
+</ds:datastoreItem>
+</file>
+
+<file path=customXml/itemProps60.xml><?xml version="1.0" encoding="utf-8"?>
+<ds:datastoreItem xmlns:ds="http://schemas.openxmlformats.org/officeDocument/2006/customXml" ds:itemID="{ACBA10CA-108F-4460-9A4E-369441152B90}">
+  <ds:schemaRefs>
+    <ds:schemaRef ds:uri="http://schemas.microsoft.com/VisualStudio/2011/storyboarding/control"/>
+  </ds:schemaRefs>
+</ds:datastoreItem>
+</file>
+
+<file path=customXml/itemProps61.xml><?xml version="1.0" encoding="utf-8"?>
 <ds:datastoreItem xmlns:ds="http://schemas.openxmlformats.org/officeDocument/2006/customXml" ds:itemID="{CCC6BEA4-7163-49BD-BC3D-232AAE822123}">
   <ds:schemaRefs>
     <ds:schemaRef ds:uri="http://schemas.microsoft.com/VisualStudio/2011/storyboarding/control"/>
@@ -11547,112 +11563,96 @@
 </ds:datastoreItem>
 </file>
 
-<file path=customXml/itemProps60.xml><?xml version="1.0" encoding="utf-8"?>
-<ds:datastoreItem xmlns:ds="http://schemas.openxmlformats.org/officeDocument/2006/customXml" ds:itemID="{E4D8F509-A02E-4B18-B3A8-053234537D61}">
+<file path=customXml/itemProps62.xml><?xml version="1.0" encoding="utf-8"?>
+<ds:datastoreItem xmlns:ds="http://schemas.openxmlformats.org/officeDocument/2006/customXml" ds:itemID="{379DF789-2DCD-4839-96B5-6FC72876C583}">
   <ds:schemaRefs>
     <ds:schemaRef ds:uri="http://schemas.microsoft.com/VisualStudio/2011/storyboarding/control"/>
   </ds:schemaRefs>
 </ds:datastoreItem>
 </file>
 
-<file path=customXml/itemProps61.xml><?xml version="1.0" encoding="utf-8"?>
-<ds:datastoreItem xmlns:ds="http://schemas.openxmlformats.org/officeDocument/2006/customXml" ds:itemID="{3204D0B0-D938-4898-9111-D054445FD9E6}">
+<file path=customXml/itemProps63.xml><?xml version="1.0" encoding="utf-8"?>
+<ds:datastoreItem xmlns:ds="http://schemas.openxmlformats.org/officeDocument/2006/customXml" ds:itemID="{CE60043E-BB5D-413F-A3CE-B2BFC4C8CCF2}">
   <ds:schemaRefs>
     <ds:schemaRef ds:uri="http://schemas.microsoft.com/VisualStudio/2011/storyboarding/control"/>
   </ds:schemaRefs>
 </ds:datastoreItem>
 </file>
 
-<file path=customXml/itemProps62.xml><?xml version="1.0" encoding="utf-8"?>
-<ds:datastoreItem xmlns:ds="http://schemas.openxmlformats.org/officeDocument/2006/customXml" ds:itemID="{8EB58AD0-E438-4793-891F-96F47744FE8A}">
+<file path=customXml/itemProps64.xml><?xml version="1.0" encoding="utf-8"?>
+<ds:datastoreItem xmlns:ds="http://schemas.openxmlformats.org/officeDocument/2006/customXml" ds:itemID="{9E133243-C64C-422C-91F2-3CAB409C6E95}">
   <ds:schemaRefs>
     <ds:schemaRef ds:uri="http://schemas.microsoft.com/VisualStudio/2011/storyboarding/control"/>
   </ds:schemaRefs>
 </ds:datastoreItem>
 </file>
 
-<file path=customXml/itemProps63.xml><?xml version="1.0" encoding="utf-8"?>
-<ds:datastoreItem xmlns:ds="http://schemas.openxmlformats.org/officeDocument/2006/customXml" ds:itemID="{7735A957-BCEC-4BDC-865D-C1630AC01291}">
+<file path=customXml/itemProps65.xml><?xml version="1.0" encoding="utf-8"?>
+<ds:datastoreItem xmlns:ds="http://schemas.openxmlformats.org/officeDocument/2006/customXml" ds:itemID="{66EBE552-1319-4142-9350-0099216CC861}">
   <ds:schemaRefs>
     <ds:schemaRef ds:uri="http://schemas.microsoft.com/VisualStudio/2011/storyboarding/control"/>
   </ds:schemaRefs>
 </ds:datastoreItem>
 </file>
 
-<file path=customXml/itemProps64.xml><?xml version="1.0" encoding="utf-8"?>
-<ds:datastoreItem xmlns:ds="http://schemas.openxmlformats.org/officeDocument/2006/customXml" ds:itemID="{C8B62D3C-0321-4182-8CD7-DC193A852FA6}">
+<file path=customXml/itemProps66.xml><?xml version="1.0" encoding="utf-8"?>
+<ds:datastoreItem xmlns:ds="http://schemas.openxmlformats.org/officeDocument/2006/customXml" ds:itemID="{BA3107AF-E3E2-4794-B402-0063A878AF4C}">
   <ds:schemaRefs>
     <ds:schemaRef ds:uri="http://schemas.microsoft.com/VisualStudio/2011/storyboarding/control"/>
   </ds:schemaRefs>
 </ds:datastoreItem>
 </file>
 
-<file path=customXml/itemProps65.xml><?xml version="1.0" encoding="utf-8"?>
-<ds:datastoreItem xmlns:ds="http://schemas.openxmlformats.org/officeDocument/2006/customXml" ds:itemID="{695F6C03-A17F-4FDF-AEB7-537885F61B5D}">
+<file path=customXml/itemProps67.xml><?xml version="1.0" encoding="utf-8"?>
+<ds:datastoreItem xmlns:ds="http://schemas.openxmlformats.org/officeDocument/2006/customXml" ds:itemID="{488596C9-7EB1-43C7-9B27-20240FAA3B69}">
   <ds:schemaRefs>
     <ds:schemaRef ds:uri="http://schemas.microsoft.com/VisualStudio/2011/storyboarding/control"/>
   </ds:schemaRefs>
 </ds:datastoreItem>
 </file>
 
-<file path=customXml/itemProps66.xml><?xml version="1.0" encoding="utf-8"?>
-<ds:datastoreItem xmlns:ds="http://schemas.openxmlformats.org/officeDocument/2006/customXml" ds:itemID="{71E89D49-B0BA-4AE6-98ED-02C1B4998EF9}">
+<file path=customXml/itemProps68.xml><?xml version="1.0" encoding="utf-8"?>
+<ds:datastoreItem xmlns:ds="http://schemas.openxmlformats.org/officeDocument/2006/customXml" ds:itemID="{8B17E340-0D72-49FE-B9DA-F87FFF1FDF24}">
   <ds:schemaRefs>
     <ds:schemaRef ds:uri="http://schemas.microsoft.com/VisualStudio/2011/storyboarding/control"/>
   </ds:schemaRefs>
 </ds:datastoreItem>
 </file>
 
-<file path=customXml/itemProps67.xml><?xml version="1.0" encoding="utf-8"?>
-<ds:datastoreItem xmlns:ds="http://schemas.openxmlformats.org/officeDocument/2006/customXml" ds:itemID="{AF5775B7-BDFF-4B1D-B5D6-59813A1CD2C2}">
+<file path=customXml/itemProps69.xml><?xml version="1.0" encoding="utf-8"?>
+<ds:datastoreItem xmlns:ds="http://schemas.openxmlformats.org/officeDocument/2006/customXml" ds:itemID="{52882E93-D2C4-4830-A04C-F2F83EADB7B6}">
   <ds:schemaRefs>
     <ds:schemaRef ds:uri="http://schemas.microsoft.com/VisualStudio/2011/storyboarding/control"/>
   </ds:schemaRefs>
 </ds:datastoreItem>
 </file>
 
-<file path=customXml/itemProps68.xml><?xml version="1.0" encoding="utf-8"?>
-<ds:datastoreItem xmlns:ds="http://schemas.openxmlformats.org/officeDocument/2006/customXml" ds:itemID="{E34997C2-AD3D-493E-B51D-7D4EC9AB70BF}">
+<file path=customXml/itemProps7.xml><?xml version="1.0" encoding="utf-8"?>
+<ds:datastoreItem xmlns:ds="http://schemas.openxmlformats.org/officeDocument/2006/customXml" ds:itemID="{DA0DCFBB-39AC-4540-9DC8-AE732FF43F16}">
   <ds:schemaRefs>
     <ds:schemaRef ds:uri="http://schemas.microsoft.com/VisualStudio/2011/storyboarding/control"/>
   </ds:schemaRefs>
 </ds:datastoreItem>
 </file>
 
-<file path=customXml/itemProps69.xml><?xml version="1.0" encoding="utf-8"?>
-<ds:datastoreItem xmlns:ds="http://schemas.openxmlformats.org/officeDocument/2006/customXml" ds:itemID="{CD421EAA-C8C4-4FA9-88CD-C8395FEE7D22}">
+<file path=customXml/itemProps70.xml><?xml version="1.0" encoding="utf-8"?>
+<ds:datastoreItem xmlns:ds="http://schemas.openxmlformats.org/officeDocument/2006/customXml" ds:itemID="{F7DDEE5F-5301-4D97-9D87-00F1EE0EC367}">
   <ds:schemaRefs>
     <ds:schemaRef ds:uri="http://schemas.microsoft.com/VisualStudio/2011/storyboarding/control"/>
   </ds:schemaRefs>
 </ds:datastoreItem>
 </file>
 
-<file path=customXml/itemProps7.xml><?xml version="1.0" encoding="utf-8"?>
-<ds:datastoreItem xmlns:ds="http://schemas.openxmlformats.org/officeDocument/2006/customXml" ds:itemID="{289EA322-1A53-47B7-862C-790FE4AE1112}">
+<file path=customXml/itemProps8.xml><?xml version="1.0" encoding="utf-8"?>
+<ds:datastoreItem xmlns:ds="http://schemas.openxmlformats.org/officeDocument/2006/customXml" ds:itemID="{06D38026-BC98-4174-8FB7-2B9165AA5C85}">
   <ds:schemaRefs>
     <ds:schemaRef ds:uri="http://schemas.microsoft.com/VisualStudio/2011/storyboarding/control"/>
   </ds:schemaRefs>
 </ds:datastoreItem>
 </file>
 
-<file path=customXml/itemProps70.xml><?xml version="1.0" encoding="utf-8"?>
-<ds:datastoreItem xmlns:ds="http://schemas.openxmlformats.org/officeDocument/2006/customXml" ds:itemID="{2B3F7FF3-3B34-4829-A3AC-B22AEE822B9E}">
-  <ds:schemaRefs>
-    <ds:schemaRef ds:uri="http://schemas.microsoft.com/VisualStudio/2011/storyboarding/control"/>
-  </ds:schemaRefs>
-</ds:datastoreItem>
-</file>
-
-<file path=customXml/itemProps8.xml><?xml version="1.0" encoding="utf-8"?>
-<ds:datastoreItem xmlns:ds="http://schemas.openxmlformats.org/officeDocument/2006/customXml" ds:itemID="{947B70F0-25B2-409B-9620-26D07EADF901}">
-  <ds:schemaRefs>
-    <ds:schemaRef ds:uri="http://schemas.microsoft.com/VisualStudio/2011/storyboarding/control"/>
-  </ds:schemaRefs>
-</ds:datastoreItem>
-</file>
-
 <file path=customXml/itemProps9.xml><?xml version="1.0" encoding="utf-8"?>
-<ds:datastoreItem xmlns:ds="http://schemas.openxmlformats.org/officeDocument/2006/customXml" ds:itemID="{F2981D8C-EFFA-4345-BBC6-1B6A5C393A99}">
+<ds:datastoreItem xmlns:ds="http://schemas.openxmlformats.org/officeDocument/2006/customXml" ds:itemID="{82102D14-41E9-4666-9EC9-258851AE0B71}">
   <ds:schemaRefs>
     <ds:schemaRef ds:uri="http://schemas.microsoft.com/VisualStudio/2011/storyboarding/control"/>
   </ds:schemaRefs>
